--- a/Materials/docker.pptx
+++ b/Materials/docker.pptx
@@ -5,7 +5,7 @@
     <p:sldMasterId id="2147483658" r:id="rId1"/>
   </p:sldMasterIdLst>
   <p:notesMasterIdLst>
-    <p:notesMasterId r:id="rId24"/>
+    <p:notesMasterId r:id="rId25"/>
   </p:notesMasterIdLst>
   <p:sldIdLst>
     <p:sldId id="256" r:id="rId2"/>
@@ -21,29 +21,30 @@
     <p:sldId id="294" r:id="rId12"/>
     <p:sldId id="296" r:id="rId13"/>
     <p:sldId id="295" r:id="rId14"/>
-    <p:sldId id="298" r:id="rId15"/>
-    <p:sldId id="297" r:id="rId16"/>
-    <p:sldId id="300" r:id="rId17"/>
-    <p:sldId id="301" r:id="rId18"/>
-    <p:sldId id="260" r:id="rId19"/>
-    <p:sldId id="302" r:id="rId20"/>
-    <p:sldId id="303" r:id="rId21"/>
-    <p:sldId id="304" r:id="rId22"/>
-    <p:sldId id="279" r:id="rId23"/>
+    <p:sldId id="305" r:id="rId15"/>
+    <p:sldId id="298" r:id="rId16"/>
+    <p:sldId id="297" r:id="rId17"/>
+    <p:sldId id="300" r:id="rId18"/>
+    <p:sldId id="301" r:id="rId19"/>
+    <p:sldId id="260" r:id="rId20"/>
+    <p:sldId id="302" r:id="rId21"/>
+    <p:sldId id="303" r:id="rId22"/>
+    <p:sldId id="304" r:id="rId23"/>
+    <p:sldId id="279" r:id="rId24"/>
   </p:sldIdLst>
   <p:sldSz cx="9144000" cy="5143500" type="screen16x9"/>
   <p:notesSz cx="6858000" cy="9144000"/>
   <p:embeddedFontLst>
     <p:embeddedFont>
       <p:font typeface="Calibri" panose="020F0502020204030204" pitchFamily="34" charset="0"/>
-      <p:regular r:id="rId25"/>
-      <p:bold r:id="rId26"/>
-      <p:italic r:id="rId27"/>
-      <p:boldItalic r:id="rId28"/>
+      <p:regular r:id="rId26"/>
+      <p:bold r:id="rId27"/>
+      <p:italic r:id="rId28"/>
+      <p:boldItalic r:id="rId29"/>
     </p:embeddedFont>
     <p:embeddedFont>
       <p:font typeface="Varela Round" panose="020B0604020202020204" charset="-79"/>
-      <p:regular r:id="rId29"/>
+      <p:regular r:id="rId30"/>
     </p:embeddedFont>
   </p:embeddedFontLst>
   <p:defaultTextStyle>
@@ -1604,6 +1605,123 @@
   <p:cSld>
     <p:spTree>
       <p:nvGrpSpPr>
+        <p:cNvPr id="1" name="Shape 232"/>
+        <p:cNvGrpSpPr/>
+        <p:nvPr/>
+      </p:nvGrpSpPr>
+      <p:grpSpPr>
+        <a:xfrm>
+          <a:off x="0" y="0"/>
+          <a:ext cx="0" cy="0"/>
+          <a:chOff x="0" y="0"/>
+          <a:chExt cx="0" cy="0"/>
+        </a:xfrm>
+      </p:grpSpPr>
+      <p:sp>
+        <p:nvSpPr>
+          <p:cNvPr id="233" name="Google Shape;233;g35f391192_09:notes"/>
+          <p:cNvSpPr>
+            <a:spLocks noGrp="1" noRot="1" noChangeAspect="1"/>
+          </p:cNvSpPr>
+          <p:nvPr>
+            <p:ph type="sldImg" idx="2"/>
+          </p:nvPr>
+        </p:nvSpPr>
+        <p:spPr>
+          <a:xfrm>
+            <a:off x="381000" y="685800"/>
+            <a:ext cx="6096000" cy="3429000"/>
+          </a:xfrm>
+          <a:custGeom>
+            <a:avLst/>
+            <a:gdLst/>
+            <a:ahLst/>
+            <a:cxnLst/>
+            <a:rect l="l" t="t" r="r" b="b"/>
+            <a:pathLst>
+              <a:path w="120000" h="120000" extrusionOk="0">
+                <a:moveTo>
+                  <a:pt x="0" y="0"/>
+                </a:moveTo>
+                <a:lnTo>
+                  <a:pt x="120000" y="0"/>
+                </a:lnTo>
+                <a:lnTo>
+                  <a:pt x="120000" y="120000"/>
+                </a:lnTo>
+                <a:lnTo>
+                  <a:pt x="0" y="120000"/>
+                </a:lnTo>
+                <a:close/>
+              </a:path>
+            </a:pathLst>
+          </a:custGeom>
+        </p:spPr>
+      </p:sp>
+      <p:sp>
+        <p:nvSpPr>
+          <p:cNvPr id="234" name="Google Shape;234;g35f391192_09:notes"/>
+          <p:cNvSpPr txBox="1">
+            <a:spLocks noGrp="1"/>
+          </p:cNvSpPr>
+          <p:nvPr>
+            <p:ph type="body" idx="1"/>
+          </p:nvPr>
+        </p:nvSpPr>
+        <p:spPr>
+          <a:xfrm>
+            <a:off x="685800" y="4343400"/>
+            <a:ext cx="5486400" cy="4114800"/>
+          </a:xfrm>
+          <a:prstGeom prst="rect">
+            <a:avLst/>
+          </a:prstGeom>
+        </p:spPr>
+        <p:txBody>
+          <a:bodyPr spcFirstLastPara="1" wrap="square" lIns="91425" tIns="91425" rIns="91425" bIns="91425" anchor="t" anchorCtr="0">
+            <a:noAutofit/>
+          </a:bodyPr>
+          <a:lstStyle/>
+          <a:p>
+            <a:pPr marL="0" lvl="0" indent="0" algn="l" rtl="0">
+              <a:spcBef>
+                <a:spcPts val="0"/>
+              </a:spcBef>
+              <a:spcAft>
+                <a:spcPts val="0"/>
+              </a:spcAft>
+              <a:buNone/>
+            </a:pPr>
+            <a:r>
+              <a:rPr lang="ru-RU" dirty="0"/>
+              <a:t>Теперь у нас есть </a:t>
+            </a:r>
+            <a:r>
+              <a:rPr lang="ru-RU"/>
+              <a:t>все образы….</a:t>
+            </a:r>
+            <a:endParaRPr lang="ru-RU" dirty="0"/>
+          </a:p>
+        </p:txBody>
+      </p:sp>
+    </p:spTree>
+    <p:extLst>
+      <p:ext uri="{BB962C8B-B14F-4D97-AF65-F5344CB8AC3E}">
+        <p14:creationId xmlns:p14="http://schemas.microsoft.com/office/powerpoint/2010/main" val="1217575630"/>
+      </p:ext>
+    </p:extLst>
+  </p:cSld>
+  <p:clrMapOvr>
+    <a:masterClrMapping/>
+  </p:clrMapOvr>
+</p:notes>
+</file>
+
+<file path=ppt/notesSlides/notesSlide15.xml><?xml version="1.0" encoding="utf-8"?>
+<p:notes xmlns:a="http://schemas.openxmlformats.org/drawingml/2006/main" xmlns:r="http://schemas.openxmlformats.org/officeDocument/2006/relationships" xmlns:p="http://schemas.openxmlformats.org/presentationml/2006/main" showMasterSp="0" showMasterPhAnim="0">
+  <p:cSld>
+    <p:spTree>
+      <p:nvGrpSpPr>
         <p:cNvPr id="1" name="Shape 208"/>
         <p:cNvGrpSpPr/>
         <p:nvPr/>
@@ -1723,7 +1841,7 @@
 </p:notes>
 </file>
 
-<file path=ppt/notesSlides/notesSlide15.xml><?xml version="1.0" encoding="utf-8"?>
+<file path=ppt/notesSlides/notesSlide16.xml><?xml version="1.0" encoding="utf-8"?>
 <p:notes xmlns:a="http://schemas.openxmlformats.org/drawingml/2006/main" xmlns:r="http://schemas.openxmlformats.org/officeDocument/2006/relationships" xmlns:p="http://schemas.openxmlformats.org/presentationml/2006/main" showMasterSp="0" showMasterPhAnim="0">
   <p:cSld>
     <p:spTree>
@@ -1921,214 +2039,6 @@
     <p:extLst>
       <p:ext uri="{BB962C8B-B14F-4D97-AF65-F5344CB8AC3E}">
         <p14:creationId xmlns:p14="http://schemas.microsoft.com/office/powerpoint/2010/main" val="3990539153"/>
-      </p:ext>
-    </p:extLst>
-  </p:cSld>
-  <p:clrMapOvr>
-    <a:masterClrMapping/>
-  </p:clrMapOvr>
-</p:notes>
-</file>
-
-<file path=ppt/notesSlides/notesSlide16.xml><?xml version="1.0" encoding="utf-8"?>
-<p:notes xmlns:a="http://schemas.openxmlformats.org/drawingml/2006/main" xmlns:r="http://schemas.openxmlformats.org/officeDocument/2006/relationships" xmlns:p="http://schemas.openxmlformats.org/presentationml/2006/main" showMasterSp="0" showMasterPhAnim="0">
-  <p:cSld>
-    <p:spTree>
-      <p:nvGrpSpPr>
-        <p:cNvPr id="1" name="Shape 208"/>
-        <p:cNvGrpSpPr/>
-        <p:nvPr/>
-      </p:nvGrpSpPr>
-      <p:grpSpPr>
-        <a:xfrm>
-          <a:off x="0" y="0"/>
-          <a:ext cx="0" cy="0"/>
-          <a:chOff x="0" y="0"/>
-          <a:chExt cx="0" cy="0"/>
-        </a:xfrm>
-      </p:grpSpPr>
-      <p:sp>
-        <p:nvSpPr>
-          <p:cNvPr id="209" name="Google Shape;209;g3606f1c2d_30:notes"/>
-          <p:cNvSpPr>
-            <a:spLocks noGrp="1" noRot="1" noChangeAspect="1"/>
-          </p:cNvSpPr>
-          <p:nvPr>
-            <p:ph type="sldImg" idx="2"/>
-          </p:nvPr>
-        </p:nvSpPr>
-        <p:spPr>
-          <a:xfrm>
-            <a:off x="381000" y="685800"/>
-            <a:ext cx="6096000" cy="3429000"/>
-          </a:xfrm>
-          <a:custGeom>
-            <a:avLst/>
-            <a:gdLst/>
-            <a:ahLst/>
-            <a:cxnLst/>
-            <a:rect l="l" t="t" r="r" b="b"/>
-            <a:pathLst>
-              <a:path w="120000" h="120000" extrusionOk="0">
-                <a:moveTo>
-                  <a:pt x="0" y="0"/>
-                </a:moveTo>
-                <a:lnTo>
-                  <a:pt x="120000" y="0"/>
-                </a:lnTo>
-                <a:lnTo>
-                  <a:pt x="120000" y="120000"/>
-                </a:lnTo>
-                <a:lnTo>
-                  <a:pt x="0" y="120000"/>
-                </a:lnTo>
-                <a:close/>
-              </a:path>
-            </a:pathLst>
-          </a:custGeom>
-        </p:spPr>
-      </p:sp>
-      <p:sp>
-        <p:nvSpPr>
-          <p:cNvPr id="210" name="Google Shape;210;g3606f1c2d_30:notes"/>
-          <p:cNvSpPr txBox="1">
-            <a:spLocks noGrp="1"/>
-          </p:cNvSpPr>
-          <p:nvPr>
-            <p:ph type="body" idx="1"/>
-          </p:nvPr>
-        </p:nvSpPr>
-        <p:spPr>
-          <a:xfrm>
-            <a:off x="685800" y="4343400"/>
-            <a:ext cx="5486400" cy="4114800"/>
-          </a:xfrm>
-          <a:prstGeom prst="rect">
-            <a:avLst/>
-          </a:prstGeom>
-        </p:spPr>
-        <p:txBody>
-          <a:bodyPr spcFirstLastPara="1" wrap="square" lIns="91425" tIns="91425" rIns="91425" bIns="91425" anchor="t" anchorCtr="0">
-            <a:noAutofit/>
-          </a:bodyPr>
-          <a:lstStyle/>
-          <a:p>
-            <a:pPr marL="0" lvl="0" indent="0" algn="l" rtl="0">
-              <a:spcBef>
-                <a:spcPts val="0"/>
-              </a:spcBef>
-              <a:spcAft>
-                <a:spcPts val="0"/>
-              </a:spcAft>
-              <a:buNone/>
-            </a:pPr>
-            <a:r>
-              <a:rPr lang="ru-RU" dirty="0"/>
-              <a:t>Запускаем командой </a:t>
-            </a:r>
-            <a:r>
-              <a:rPr lang="ru-RU" dirty="0" err="1"/>
-              <a:t>коре</a:t>
-            </a:r>
-            <a:r>
-              <a:rPr lang="ru-RU" dirty="0"/>
-              <a:t> сервис и назад.</a:t>
-            </a:r>
-          </a:p>
-          <a:p>
-            <a:pPr marL="0" lvl="0" indent="0" algn="l" rtl="0">
-              <a:spcBef>
-                <a:spcPts val="0"/>
-              </a:spcBef>
-              <a:spcAft>
-                <a:spcPts val="0"/>
-              </a:spcAft>
-              <a:buNone/>
-            </a:pPr>
-            <a:r>
-              <a:rPr lang="ru-RU" dirty="0"/>
-              <a:t>Проверка в </a:t>
-            </a:r>
-            <a:r>
-              <a:rPr lang="ru-RU" dirty="0" err="1"/>
-              <a:t>коммандной</a:t>
-            </a:r>
-            <a:r>
-              <a:rPr lang="ru-RU" dirty="0"/>
-              <a:t> строке.</a:t>
-            </a:r>
-          </a:p>
-          <a:p>
-            <a:pPr marL="0" lvl="0" indent="0" algn="l" rtl="0">
-              <a:spcBef>
-                <a:spcPts val="0"/>
-              </a:spcBef>
-              <a:spcAft>
-                <a:spcPts val="0"/>
-              </a:spcAft>
-              <a:buNone/>
-            </a:pPr>
-            <a:r>
-              <a:rPr lang="ru-RU" dirty="0"/>
-              <a:t>Напоминаем задачу сервиса.</a:t>
-            </a:r>
-          </a:p>
-          <a:p>
-            <a:pPr marL="0" lvl="0" indent="0" algn="l" rtl="0">
-              <a:spcBef>
-                <a:spcPts val="0"/>
-              </a:spcBef>
-              <a:spcAft>
-                <a:spcPts val="0"/>
-              </a:spcAft>
-              <a:buNone/>
-            </a:pPr>
-            <a:r>
-              <a:rPr lang="ru-RU" dirty="0"/>
-              <a:t>Сервис работает с хранилищем.</a:t>
-            </a:r>
-          </a:p>
-          <a:p>
-            <a:pPr marL="0" lvl="0" indent="0" algn="l" rtl="0">
-              <a:spcBef>
-                <a:spcPts val="0"/>
-              </a:spcBef>
-              <a:spcAft>
-                <a:spcPts val="0"/>
-              </a:spcAft>
-              <a:buNone/>
-            </a:pPr>
-            <a:r>
-              <a:rPr lang="ru-RU" dirty="0"/>
-              <a:t>Показываем что в </a:t>
-            </a:r>
-            <a:r>
-              <a:rPr lang="ru-RU" dirty="0" err="1"/>
-              <a:t>бд</a:t>
-            </a:r>
-            <a:r>
-              <a:rPr lang="ru-RU" dirty="0"/>
-              <a:t> появились таблицы</a:t>
-            </a:r>
-          </a:p>
-          <a:p>
-            <a:pPr marL="0" lvl="0" indent="0" algn="l" rtl="0">
-              <a:spcBef>
-                <a:spcPts val="0"/>
-              </a:spcBef>
-              <a:spcAft>
-                <a:spcPts val="0"/>
-              </a:spcAft>
-              <a:buNone/>
-            </a:pPr>
-            <a:endParaRPr lang="ru-RU" dirty="0"/>
-          </a:p>
-        </p:txBody>
-      </p:sp>
-    </p:spTree>
-    <p:extLst>
-      <p:ext uri="{BB962C8B-B14F-4D97-AF65-F5344CB8AC3E}">
-        <p14:creationId xmlns:p14="http://schemas.microsoft.com/office/powerpoint/2010/main" val="422155190"/>
       </p:ext>
     </p:extLst>
   </p:cSld>
@@ -2235,6 +2145,214 @@
               <a:t>Запускаем командой </a:t>
             </a:r>
             <a:r>
+              <a:rPr lang="ru-RU" dirty="0" err="1"/>
+              <a:t>коре</a:t>
+            </a:r>
+            <a:r>
+              <a:rPr lang="ru-RU" dirty="0"/>
+              <a:t> сервис и назад.</a:t>
+            </a:r>
+          </a:p>
+          <a:p>
+            <a:pPr marL="0" lvl="0" indent="0" algn="l" rtl="0">
+              <a:spcBef>
+                <a:spcPts val="0"/>
+              </a:spcBef>
+              <a:spcAft>
+                <a:spcPts val="0"/>
+              </a:spcAft>
+              <a:buNone/>
+            </a:pPr>
+            <a:r>
+              <a:rPr lang="ru-RU" dirty="0"/>
+              <a:t>Проверка в </a:t>
+            </a:r>
+            <a:r>
+              <a:rPr lang="ru-RU" dirty="0" err="1"/>
+              <a:t>коммандной</a:t>
+            </a:r>
+            <a:r>
+              <a:rPr lang="ru-RU" dirty="0"/>
+              <a:t> строке.</a:t>
+            </a:r>
+          </a:p>
+          <a:p>
+            <a:pPr marL="0" lvl="0" indent="0" algn="l" rtl="0">
+              <a:spcBef>
+                <a:spcPts val="0"/>
+              </a:spcBef>
+              <a:spcAft>
+                <a:spcPts val="0"/>
+              </a:spcAft>
+              <a:buNone/>
+            </a:pPr>
+            <a:r>
+              <a:rPr lang="ru-RU" dirty="0"/>
+              <a:t>Напоминаем задачу сервиса.</a:t>
+            </a:r>
+          </a:p>
+          <a:p>
+            <a:pPr marL="0" lvl="0" indent="0" algn="l" rtl="0">
+              <a:spcBef>
+                <a:spcPts val="0"/>
+              </a:spcBef>
+              <a:spcAft>
+                <a:spcPts val="0"/>
+              </a:spcAft>
+              <a:buNone/>
+            </a:pPr>
+            <a:r>
+              <a:rPr lang="ru-RU" dirty="0"/>
+              <a:t>Сервис работает с хранилищем.</a:t>
+            </a:r>
+          </a:p>
+          <a:p>
+            <a:pPr marL="0" lvl="0" indent="0" algn="l" rtl="0">
+              <a:spcBef>
+                <a:spcPts val="0"/>
+              </a:spcBef>
+              <a:spcAft>
+                <a:spcPts val="0"/>
+              </a:spcAft>
+              <a:buNone/>
+            </a:pPr>
+            <a:r>
+              <a:rPr lang="ru-RU" dirty="0"/>
+              <a:t>Показываем что в </a:t>
+            </a:r>
+            <a:r>
+              <a:rPr lang="ru-RU" dirty="0" err="1"/>
+              <a:t>бд</a:t>
+            </a:r>
+            <a:r>
+              <a:rPr lang="ru-RU" dirty="0"/>
+              <a:t> появились таблицы</a:t>
+            </a:r>
+          </a:p>
+          <a:p>
+            <a:pPr marL="0" lvl="0" indent="0" algn="l" rtl="0">
+              <a:spcBef>
+                <a:spcPts val="0"/>
+              </a:spcBef>
+              <a:spcAft>
+                <a:spcPts val="0"/>
+              </a:spcAft>
+              <a:buNone/>
+            </a:pPr>
+            <a:endParaRPr lang="ru-RU" dirty="0"/>
+          </a:p>
+        </p:txBody>
+      </p:sp>
+    </p:spTree>
+    <p:extLst>
+      <p:ext uri="{BB962C8B-B14F-4D97-AF65-F5344CB8AC3E}">
+        <p14:creationId xmlns:p14="http://schemas.microsoft.com/office/powerpoint/2010/main" val="422155190"/>
+      </p:ext>
+    </p:extLst>
+  </p:cSld>
+  <p:clrMapOvr>
+    <a:masterClrMapping/>
+  </p:clrMapOvr>
+</p:notes>
+</file>
+
+<file path=ppt/notesSlides/notesSlide18.xml><?xml version="1.0" encoding="utf-8"?>
+<p:notes xmlns:a="http://schemas.openxmlformats.org/drawingml/2006/main" xmlns:r="http://schemas.openxmlformats.org/officeDocument/2006/relationships" xmlns:p="http://schemas.openxmlformats.org/presentationml/2006/main" showMasterSp="0" showMasterPhAnim="0">
+  <p:cSld>
+    <p:spTree>
+      <p:nvGrpSpPr>
+        <p:cNvPr id="1" name="Shape 208"/>
+        <p:cNvGrpSpPr/>
+        <p:nvPr/>
+      </p:nvGrpSpPr>
+      <p:grpSpPr>
+        <a:xfrm>
+          <a:off x="0" y="0"/>
+          <a:ext cx="0" cy="0"/>
+          <a:chOff x="0" y="0"/>
+          <a:chExt cx="0" cy="0"/>
+        </a:xfrm>
+      </p:grpSpPr>
+      <p:sp>
+        <p:nvSpPr>
+          <p:cNvPr id="209" name="Google Shape;209;g3606f1c2d_30:notes"/>
+          <p:cNvSpPr>
+            <a:spLocks noGrp="1" noRot="1" noChangeAspect="1"/>
+          </p:cNvSpPr>
+          <p:nvPr>
+            <p:ph type="sldImg" idx="2"/>
+          </p:nvPr>
+        </p:nvSpPr>
+        <p:spPr>
+          <a:xfrm>
+            <a:off x="381000" y="685800"/>
+            <a:ext cx="6096000" cy="3429000"/>
+          </a:xfrm>
+          <a:custGeom>
+            <a:avLst/>
+            <a:gdLst/>
+            <a:ahLst/>
+            <a:cxnLst/>
+            <a:rect l="l" t="t" r="r" b="b"/>
+            <a:pathLst>
+              <a:path w="120000" h="120000" extrusionOk="0">
+                <a:moveTo>
+                  <a:pt x="0" y="0"/>
+                </a:moveTo>
+                <a:lnTo>
+                  <a:pt x="120000" y="0"/>
+                </a:lnTo>
+                <a:lnTo>
+                  <a:pt x="120000" y="120000"/>
+                </a:lnTo>
+                <a:lnTo>
+                  <a:pt x="0" y="120000"/>
+                </a:lnTo>
+                <a:close/>
+              </a:path>
+            </a:pathLst>
+          </a:custGeom>
+        </p:spPr>
+      </p:sp>
+      <p:sp>
+        <p:nvSpPr>
+          <p:cNvPr id="210" name="Google Shape;210;g3606f1c2d_30:notes"/>
+          <p:cNvSpPr txBox="1">
+            <a:spLocks noGrp="1"/>
+          </p:cNvSpPr>
+          <p:nvPr>
+            <p:ph type="body" idx="1"/>
+          </p:nvPr>
+        </p:nvSpPr>
+        <p:spPr>
+          <a:xfrm>
+            <a:off x="685800" y="4343400"/>
+            <a:ext cx="5486400" cy="4114800"/>
+          </a:xfrm>
+          <a:prstGeom prst="rect">
+            <a:avLst/>
+          </a:prstGeom>
+        </p:spPr>
+        <p:txBody>
+          <a:bodyPr spcFirstLastPara="1" wrap="square" lIns="91425" tIns="91425" rIns="91425" bIns="91425" anchor="t" anchorCtr="0">
+            <a:noAutofit/>
+          </a:bodyPr>
+          <a:lstStyle/>
+          <a:p>
+            <a:pPr marL="0" lvl="0" indent="0" algn="l" rtl="0">
+              <a:spcBef>
+                <a:spcPts val="0"/>
+              </a:spcBef>
+              <a:spcAft>
+                <a:spcPts val="0"/>
+              </a:spcAft>
+              <a:buNone/>
+            </a:pPr>
+            <a:r>
+              <a:rPr lang="ru-RU" dirty="0"/>
+              <a:t>Запускаем командой </a:t>
+            </a:r>
+            <a:r>
               <a:rPr lang="en-US" dirty="0"/>
               <a:t>c</a:t>
             </a:r>
@@ -2323,7 +2441,7 @@
 </p:notes>
 </file>
 
-<file path=ppt/notesSlides/notesSlide18.xml><?xml version="1.0" encoding="utf-8"?>
+<file path=ppt/notesSlides/notesSlide19.xml><?xml version="1.0" encoding="utf-8"?>
 <p:notes xmlns:a="http://schemas.openxmlformats.org/drawingml/2006/main" xmlns:r="http://schemas.openxmlformats.org/officeDocument/2006/relationships" xmlns:p="http://schemas.openxmlformats.org/presentationml/2006/main" showMasterSp="0" showMasterPhAnim="0">
   <p:cSld>
     <p:spTree>
@@ -2469,181 +2587,6 @@
         </p:txBody>
       </p:sp>
     </p:spTree>
-  </p:cSld>
-  <p:clrMapOvr>
-    <a:masterClrMapping/>
-  </p:clrMapOvr>
-</p:notes>
-</file>
-
-<file path=ppt/notesSlides/notesSlide19.xml><?xml version="1.0" encoding="utf-8"?>
-<p:notes xmlns:a="http://schemas.openxmlformats.org/drawingml/2006/main" xmlns:r="http://schemas.openxmlformats.org/officeDocument/2006/relationships" xmlns:p="http://schemas.openxmlformats.org/presentationml/2006/main" showMasterSp="0" showMasterPhAnim="0">
-  <p:cSld>
-    <p:spTree>
-      <p:nvGrpSpPr>
-        <p:cNvPr id="1" name="Shape 208"/>
-        <p:cNvGrpSpPr/>
-        <p:nvPr/>
-      </p:nvGrpSpPr>
-      <p:grpSpPr>
-        <a:xfrm>
-          <a:off x="0" y="0"/>
-          <a:ext cx="0" cy="0"/>
-          <a:chOff x="0" y="0"/>
-          <a:chExt cx="0" cy="0"/>
-        </a:xfrm>
-      </p:grpSpPr>
-      <p:sp>
-        <p:nvSpPr>
-          <p:cNvPr id="209" name="Google Shape;209;g3606f1c2d_30:notes"/>
-          <p:cNvSpPr>
-            <a:spLocks noGrp="1" noRot="1" noChangeAspect="1"/>
-          </p:cNvSpPr>
-          <p:nvPr>
-            <p:ph type="sldImg" idx="2"/>
-          </p:nvPr>
-        </p:nvSpPr>
-        <p:spPr>
-          <a:xfrm>
-            <a:off x="381000" y="685800"/>
-            <a:ext cx="6096000" cy="3429000"/>
-          </a:xfrm>
-          <a:custGeom>
-            <a:avLst/>
-            <a:gdLst/>
-            <a:ahLst/>
-            <a:cxnLst/>
-            <a:rect l="l" t="t" r="r" b="b"/>
-            <a:pathLst>
-              <a:path w="120000" h="120000" extrusionOk="0">
-                <a:moveTo>
-                  <a:pt x="0" y="0"/>
-                </a:moveTo>
-                <a:lnTo>
-                  <a:pt x="120000" y="0"/>
-                </a:lnTo>
-                <a:lnTo>
-                  <a:pt x="120000" y="120000"/>
-                </a:lnTo>
-                <a:lnTo>
-                  <a:pt x="0" y="120000"/>
-                </a:lnTo>
-                <a:close/>
-              </a:path>
-            </a:pathLst>
-          </a:custGeom>
-        </p:spPr>
-      </p:sp>
-      <p:sp>
-        <p:nvSpPr>
-          <p:cNvPr id="210" name="Google Shape;210;g3606f1c2d_30:notes"/>
-          <p:cNvSpPr txBox="1">
-            <a:spLocks noGrp="1"/>
-          </p:cNvSpPr>
-          <p:nvPr>
-            <p:ph type="body" idx="1"/>
-          </p:nvPr>
-        </p:nvSpPr>
-        <p:spPr>
-          <a:xfrm>
-            <a:off x="685800" y="4343400"/>
-            <a:ext cx="5486400" cy="4114800"/>
-          </a:xfrm>
-          <a:prstGeom prst="rect">
-            <a:avLst/>
-          </a:prstGeom>
-        </p:spPr>
-        <p:txBody>
-          <a:bodyPr spcFirstLastPara="1" wrap="square" lIns="91425" tIns="91425" rIns="91425" bIns="91425" anchor="t" anchorCtr="0">
-            <a:noAutofit/>
-          </a:bodyPr>
-          <a:lstStyle/>
-          <a:p>
-            <a:pPr marL="0" lvl="0" indent="0" algn="l" rtl="0">
-              <a:spcBef>
-                <a:spcPts val="0"/>
-              </a:spcBef>
-              <a:spcAft>
-                <a:spcPts val="0"/>
-              </a:spcAft>
-              <a:buNone/>
-            </a:pPr>
-            <a:r>
-              <a:rPr lang="ru-RU" dirty="0"/>
-              <a:t>Что такое? </a:t>
-            </a:r>
-            <a:endParaRPr lang="en-US" dirty="0"/>
-          </a:p>
-          <a:p>
-            <a:pPr marL="0" lvl="0" indent="0" algn="l" rtl="0">
-              <a:spcBef>
-                <a:spcPts val="0"/>
-              </a:spcBef>
-              <a:spcAft>
-                <a:spcPts val="0"/>
-              </a:spcAft>
-              <a:buNone/>
-            </a:pPr>
-            <a:endParaRPr lang="en-US" dirty="0"/>
-          </a:p>
-          <a:p>
-            <a:pPr marL="0" lvl="0" indent="0" algn="l" rtl="0">
-              <a:spcBef>
-                <a:spcPts val="0"/>
-              </a:spcBef>
-              <a:spcAft>
-                <a:spcPts val="0"/>
-              </a:spcAft>
-              <a:buNone/>
-            </a:pPr>
-            <a:r>
-              <a:rPr lang="ru-RU" dirty="0"/>
-              <a:t>Убиваем все контейнеры и запускаем их все </a:t>
-            </a:r>
-            <a:r>
-              <a:rPr lang="ru-RU" dirty="0" err="1"/>
-              <a:t>композом</a:t>
-            </a:r>
-            <a:r>
-              <a:rPr lang="ru-RU" dirty="0"/>
-              <a:t>.</a:t>
-            </a:r>
-          </a:p>
-          <a:p>
-            <a:pPr marL="0" lvl="0" indent="0" algn="l" rtl="0">
-              <a:spcBef>
-                <a:spcPts val="0"/>
-              </a:spcBef>
-              <a:spcAft>
-                <a:spcPts val="0"/>
-              </a:spcAft>
-              <a:buNone/>
-            </a:pPr>
-            <a:endParaRPr lang="ru-RU" dirty="0"/>
-          </a:p>
-          <a:p>
-            <a:pPr marL="0" lvl="0" indent="0" algn="l" rtl="0">
-              <a:spcBef>
-                <a:spcPts val="0"/>
-              </a:spcBef>
-              <a:spcAft>
-                <a:spcPts val="0"/>
-              </a:spcAft>
-              <a:buNone/>
-            </a:pPr>
-            <a:r>
-              <a:rPr lang="ru-RU" dirty="0"/>
-              <a:t>Демонстрируем работу приложения</a:t>
-            </a:r>
-          </a:p>
-        </p:txBody>
-      </p:sp>
-    </p:spTree>
-    <p:extLst>
-      <p:ext uri="{BB962C8B-B14F-4D97-AF65-F5344CB8AC3E}">
-        <p14:creationId xmlns:p14="http://schemas.microsoft.com/office/powerpoint/2010/main" val="3902916839"/>
-      </p:ext>
-    </p:extLst>
   </p:cSld>
   <p:clrMapOvr>
     <a:masterClrMapping/>
@@ -3104,8 +3047,9 @@
             </a:pPr>
             <a:r>
               <a:rPr lang="ru-RU" dirty="0"/>
-              <a:t>Убеждаемся что все работает.</a:t>
-            </a:r>
+              <a:t>Что такое? </a:t>
+            </a:r>
+            <a:endParaRPr lang="en-US" dirty="0"/>
           </a:p>
           <a:p>
             <a:pPr marL="0" lvl="0" indent="0" algn="l" rtl="0">
@@ -3117,6 +3061,41 @@
               </a:spcAft>
               <a:buNone/>
             </a:pPr>
+            <a:endParaRPr lang="en-US" dirty="0"/>
+          </a:p>
+          <a:p>
+            <a:pPr marL="0" lvl="0" indent="0" algn="l" rtl="0">
+              <a:spcBef>
+                <a:spcPts val="0"/>
+              </a:spcBef>
+              <a:spcAft>
+                <a:spcPts val="0"/>
+              </a:spcAft>
+              <a:buNone/>
+            </a:pPr>
+            <a:r>
+              <a:rPr lang="ru-RU" dirty="0"/>
+              <a:t>Убиваем все контейнеры и запускаем их все </a:t>
+            </a:r>
+            <a:r>
+              <a:rPr lang="ru-RU" dirty="0" err="1"/>
+              <a:t>композом</a:t>
+            </a:r>
+            <a:r>
+              <a:rPr lang="ru-RU" dirty="0"/>
+              <a:t>.</a:t>
+            </a:r>
+          </a:p>
+          <a:p>
+            <a:pPr marL="0" lvl="0" indent="0" algn="l" rtl="0">
+              <a:spcBef>
+                <a:spcPts val="0"/>
+              </a:spcBef>
+              <a:spcAft>
+                <a:spcPts val="0"/>
+              </a:spcAft>
+              <a:buNone/>
+            </a:pPr>
             <a:endParaRPr lang="ru-RU" dirty="0"/>
           </a:p>
           <a:p>
@@ -3131,40 +3110,15 @@
             </a:pPr>
             <a:r>
               <a:rPr lang="ru-RU" dirty="0"/>
-              <a:t>Сделать вызов – показать в логе консоли что сервисы отзываются.</a:t>
-            </a:r>
-            <a:endParaRPr lang="en-US" dirty="0"/>
-          </a:p>
-          <a:p>
-            <a:pPr marL="0" lvl="0" indent="0" algn="l" rtl="0">
-              <a:spcBef>
-                <a:spcPts val="0"/>
-              </a:spcBef>
-              <a:spcAft>
-                <a:spcPts val="0"/>
-              </a:spcAft>
-              <a:buNone/>
-            </a:pPr>
-            <a:endParaRPr lang="ru-RU" dirty="0"/>
-          </a:p>
-          <a:p>
-            <a:pPr marL="0" lvl="0" indent="0" algn="l" rtl="0">
-              <a:spcBef>
-                <a:spcPts val="0"/>
-              </a:spcBef>
-              <a:spcAft>
-                <a:spcPts val="0"/>
-              </a:spcAft>
-              <a:buNone/>
-            </a:pPr>
-            <a:endParaRPr lang="ru-RU" dirty="0"/>
+              <a:t>Демонстрируем работу приложения</a:t>
+            </a:r>
           </a:p>
         </p:txBody>
       </p:sp>
     </p:spTree>
     <p:extLst>
       <p:ext uri="{BB962C8B-B14F-4D97-AF65-F5344CB8AC3E}">
-        <p14:creationId xmlns:p14="http://schemas.microsoft.com/office/powerpoint/2010/main" val="3994526353"/>
+        <p14:creationId xmlns:p14="http://schemas.microsoft.com/office/powerpoint/2010/main" val="3902916839"/>
       </p:ext>
     </p:extLst>
   </p:cSld>
@@ -3281,6 +3235,170 @@
               </a:spcAft>
               <a:buNone/>
             </a:pPr>
+            <a:endParaRPr lang="ru-RU" dirty="0"/>
+          </a:p>
+          <a:p>
+            <a:pPr marL="0" lvl="0" indent="0" algn="l" rtl="0">
+              <a:spcBef>
+                <a:spcPts val="0"/>
+              </a:spcBef>
+              <a:spcAft>
+                <a:spcPts val="0"/>
+              </a:spcAft>
+              <a:buNone/>
+            </a:pPr>
+            <a:r>
+              <a:rPr lang="ru-RU" dirty="0"/>
+              <a:t>Сделать вызов – показать в логе консоли что сервисы отзываются.</a:t>
+            </a:r>
+            <a:endParaRPr lang="en-US" dirty="0"/>
+          </a:p>
+          <a:p>
+            <a:pPr marL="0" lvl="0" indent="0" algn="l" rtl="0">
+              <a:spcBef>
+                <a:spcPts val="0"/>
+              </a:spcBef>
+              <a:spcAft>
+                <a:spcPts val="0"/>
+              </a:spcAft>
+              <a:buNone/>
+            </a:pPr>
+            <a:endParaRPr lang="ru-RU" dirty="0"/>
+          </a:p>
+          <a:p>
+            <a:pPr marL="0" lvl="0" indent="0" algn="l" rtl="0">
+              <a:spcBef>
+                <a:spcPts val="0"/>
+              </a:spcBef>
+              <a:spcAft>
+                <a:spcPts val="0"/>
+              </a:spcAft>
+              <a:buNone/>
+            </a:pPr>
+            <a:endParaRPr lang="ru-RU" dirty="0"/>
+          </a:p>
+        </p:txBody>
+      </p:sp>
+    </p:spTree>
+    <p:extLst>
+      <p:ext uri="{BB962C8B-B14F-4D97-AF65-F5344CB8AC3E}">
+        <p14:creationId xmlns:p14="http://schemas.microsoft.com/office/powerpoint/2010/main" val="3994526353"/>
+      </p:ext>
+    </p:extLst>
+  </p:cSld>
+  <p:clrMapOvr>
+    <a:masterClrMapping/>
+  </p:clrMapOvr>
+</p:notes>
+</file>
+
+<file path=ppt/notesSlides/notesSlide22.xml><?xml version="1.0" encoding="utf-8"?>
+<p:notes xmlns:a="http://schemas.openxmlformats.org/drawingml/2006/main" xmlns:r="http://schemas.openxmlformats.org/officeDocument/2006/relationships" xmlns:p="http://schemas.openxmlformats.org/presentationml/2006/main" showMasterSp="0" showMasterPhAnim="0">
+  <p:cSld>
+    <p:spTree>
+      <p:nvGrpSpPr>
+        <p:cNvPr id="1" name="Shape 208"/>
+        <p:cNvGrpSpPr/>
+        <p:nvPr/>
+      </p:nvGrpSpPr>
+      <p:grpSpPr>
+        <a:xfrm>
+          <a:off x="0" y="0"/>
+          <a:ext cx="0" cy="0"/>
+          <a:chOff x="0" y="0"/>
+          <a:chExt cx="0" cy="0"/>
+        </a:xfrm>
+      </p:grpSpPr>
+      <p:sp>
+        <p:nvSpPr>
+          <p:cNvPr id="209" name="Google Shape;209;g3606f1c2d_30:notes"/>
+          <p:cNvSpPr>
+            <a:spLocks noGrp="1" noRot="1" noChangeAspect="1"/>
+          </p:cNvSpPr>
+          <p:nvPr>
+            <p:ph type="sldImg" idx="2"/>
+          </p:nvPr>
+        </p:nvSpPr>
+        <p:spPr>
+          <a:xfrm>
+            <a:off x="381000" y="685800"/>
+            <a:ext cx="6096000" cy="3429000"/>
+          </a:xfrm>
+          <a:custGeom>
+            <a:avLst/>
+            <a:gdLst/>
+            <a:ahLst/>
+            <a:cxnLst/>
+            <a:rect l="l" t="t" r="r" b="b"/>
+            <a:pathLst>
+              <a:path w="120000" h="120000" extrusionOk="0">
+                <a:moveTo>
+                  <a:pt x="0" y="0"/>
+                </a:moveTo>
+                <a:lnTo>
+                  <a:pt x="120000" y="0"/>
+                </a:lnTo>
+                <a:lnTo>
+                  <a:pt x="120000" y="120000"/>
+                </a:lnTo>
+                <a:lnTo>
+                  <a:pt x="0" y="120000"/>
+                </a:lnTo>
+                <a:close/>
+              </a:path>
+            </a:pathLst>
+          </a:custGeom>
+        </p:spPr>
+      </p:sp>
+      <p:sp>
+        <p:nvSpPr>
+          <p:cNvPr id="210" name="Google Shape;210;g3606f1c2d_30:notes"/>
+          <p:cNvSpPr txBox="1">
+            <a:spLocks noGrp="1"/>
+          </p:cNvSpPr>
+          <p:nvPr>
+            <p:ph type="body" idx="1"/>
+          </p:nvPr>
+        </p:nvSpPr>
+        <p:spPr>
+          <a:xfrm>
+            <a:off x="685800" y="4343400"/>
+            <a:ext cx="5486400" cy="4114800"/>
+          </a:xfrm>
+          <a:prstGeom prst="rect">
+            <a:avLst/>
+          </a:prstGeom>
+        </p:spPr>
+        <p:txBody>
+          <a:bodyPr spcFirstLastPara="1" wrap="square" lIns="91425" tIns="91425" rIns="91425" bIns="91425" anchor="t" anchorCtr="0">
+            <a:noAutofit/>
+          </a:bodyPr>
+          <a:lstStyle/>
+          <a:p>
+            <a:pPr marL="0" lvl="0" indent="0" algn="l" rtl="0">
+              <a:spcBef>
+                <a:spcPts val="0"/>
+              </a:spcBef>
+              <a:spcAft>
+                <a:spcPts val="0"/>
+              </a:spcAft>
+              <a:buNone/>
+            </a:pPr>
+            <a:r>
+              <a:rPr lang="ru-RU" dirty="0"/>
+              <a:t>Убеждаемся что все работает.</a:t>
+            </a:r>
+          </a:p>
+          <a:p>
+            <a:pPr marL="0" lvl="0" indent="0" algn="l" rtl="0">
+              <a:spcBef>
+                <a:spcPts val="0"/>
+              </a:spcBef>
+              <a:spcAft>
+                <a:spcPts val="0"/>
+              </a:spcAft>
+              <a:buNone/>
+            </a:pPr>
             <a:endParaRPr lang="en-US" dirty="0"/>
           </a:p>
           <a:p>
@@ -3322,7 +3440,7 @@
 </p:notes>
 </file>
 
-<file path=ppt/notesSlides/notesSlide22.xml><?xml version="1.0" encoding="utf-8"?>
+<file path=ppt/notesSlides/notesSlide23.xml><?xml version="1.0" encoding="utf-8"?>
 <p:notes xmlns:a="http://schemas.openxmlformats.org/drawingml/2006/main" xmlns:r="http://schemas.openxmlformats.org/officeDocument/2006/relationships" xmlns:p="http://schemas.openxmlformats.org/presentationml/2006/main" showMasterSp="0" showMasterPhAnim="0">
   <p:cSld>
     <p:spTree>
@@ -14250,8 +14368,8 @@
         </p:nvSpPr>
         <p:spPr>
           <a:xfrm>
-            <a:off x="323850" y="1612900"/>
-            <a:ext cx="8496300" cy="4051300"/>
+            <a:off x="323850" y="1559112"/>
+            <a:ext cx="8496300" cy="3035940"/>
           </a:xfrm>
           <a:prstGeom prst="rect">
             <a:avLst/>
@@ -14277,73 +14395,13 @@
           <a:p>
             <a:r>
               <a:rPr lang="en-US" sz="1800" dirty="0"/>
-              <a:t>FROM mcr.microsoft.com/dotnet/core/sdk:3.0 AS build-env</a:t>
+              <a:t>FROM mcr.microsoft.com/dotnet/core/aspnet:3.0</a:t>
             </a:r>
           </a:p>
           <a:p>
             <a:r>
               <a:rPr lang="en-US" sz="1800" dirty="0"/>
-              <a:t>WORKDIR /app</a:t>
-            </a:r>
-          </a:p>
-          <a:p>
-            <a:endParaRPr lang="en-US" sz="1800" dirty="0"/>
-          </a:p>
-          <a:p>
-            <a:r>
-              <a:rPr lang="en-US" sz="1800" dirty="0"/>
-              <a:t>COPY </a:t>
-            </a:r>
-            <a:r>
-              <a:rPr lang="en-US" sz="1800" dirty="0" err="1"/>
-              <a:t>Svc.Implementation.csproj</a:t>
-            </a:r>
-            <a:r>
-              <a:rPr lang="en-US" sz="1800" dirty="0"/>
-              <a:t> .</a:t>
-            </a:r>
-          </a:p>
-          <a:p>
-            <a:r>
-              <a:rPr lang="en-US" sz="1800" dirty="0"/>
-              <a:t>RUN dotnet restore</a:t>
-            </a:r>
-            <a:endParaRPr lang="ru-RU" sz="1800" dirty="0"/>
-          </a:p>
-          <a:p>
-            <a:endParaRPr lang="en-US" sz="1800" dirty="0"/>
-          </a:p>
-          <a:p>
-            <a:r>
-              <a:rPr lang="en-US" sz="1800" dirty="0"/>
-              <a:t>COPY . ./</a:t>
-            </a:r>
-          </a:p>
-          <a:p>
-            <a:r>
-              <a:rPr lang="en-US" sz="1800" dirty="0"/>
-              <a:t>RUN dotnet publish -c Debug -o out</a:t>
-            </a:r>
-          </a:p>
-          <a:p>
-            <a:endParaRPr lang="en-US" sz="1800" dirty="0"/>
-          </a:p>
-          <a:p>
-            <a:r>
-              <a:rPr lang="en-US" sz="1800" dirty="0"/>
-              <a:t>FROM mcr.microsoft.com/dotnet/core/aspnet:3.0</a:t>
-            </a:r>
-          </a:p>
-          <a:p>
-            <a:r>
-              <a:rPr lang="en-US" sz="1800" dirty="0"/>
-              <a:t>WORKDIR /app</a:t>
-            </a:r>
-          </a:p>
-          <a:p>
-            <a:r>
-              <a:rPr lang="en-US" sz="1800" dirty="0"/>
-              <a:t>COPY --from=build-env /app/out .</a:t>
+              <a:t>COPY ["bin/Debug/netcoreapp3.0", "app/"]</a:t>
             </a:r>
           </a:p>
           <a:p>
@@ -14361,7 +14419,7 @@
           <a:p>
             <a:r>
               <a:rPr lang="en-US" sz="1800" dirty="0"/>
-              <a:t>ENTRYPOINT ["dotnet", "Svc.Implementation.dll"]</a:t>
+              <a:t>ENTRYPOINT ["dotnet", "app/Svc.Implementation.dll"]</a:t>
             </a:r>
           </a:p>
         </p:txBody>
@@ -14443,1009 +14501,6 @@
 </file>
 
 <file path=ppt/slides/slide14.xml><?xml version="1.0" encoding="utf-8"?>
-<p:sld xmlns:a="http://schemas.openxmlformats.org/drawingml/2006/main" xmlns:r="http://schemas.openxmlformats.org/officeDocument/2006/relationships" xmlns:p="http://schemas.openxmlformats.org/presentationml/2006/main">
-  <p:cSld>
-    <p:spTree>
-      <p:nvGrpSpPr>
-        <p:cNvPr id="1" name="Shape 211"/>
-        <p:cNvGrpSpPr/>
-        <p:nvPr/>
-      </p:nvGrpSpPr>
-      <p:grpSpPr>
-        <a:xfrm>
-          <a:off x="0" y="0"/>
-          <a:ext cx="0" cy="0"/>
-          <a:chOff x="0" y="0"/>
-          <a:chExt cx="0" cy="0"/>
-        </a:xfrm>
-      </p:grpSpPr>
-      <p:sp>
-        <p:nvSpPr>
-          <p:cNvPr id="212" name="Google Shape;212;p13"/>
-          <p:cNvSpPr txBox="1">
-            <a:spLocks noGrp="1"/>
-          </p:cNvSpPr>
-          <p:nvPr>
-            <p:ph type="title"/>
-          </p:nvPr>
-        </p:nvSpPr>
-        <p:spPr>
-          <a:xfrm>
-            <a:off x="457200" y="-1"/>
-            <a:ext cx="8229600" cy="1063500"/>
-          </a:xfrm>
-          <a:prstGeom prst="rect">
-            <a:avLst/>
-          </a:prstGeom>
-        </p:spPr>
-        <p:txBody>
-          <a:bodyPr spcFirstLastPara="1" wrap="square" lIns="91425" tIns="91425" rIns="91425" bIns="91425" anchor="ctr" anchorCtr="0">
-            <a:noAutofit/>
-          </a:bodyPr>
-          <a:lstStyle/>
-          <a:p>
-            <a:pPr marL="0" lvl="0" indent="0" algn="ctr" rtl="0">
-              <a:spcBef>
-                <a:spcPts val="0"/>
-              </a:spcBef>
-              <a:spcAft>
-                <a:spcPts val="0"/>
-              </a:spcAft>
-              <a:buNone/>
-            </a:pPr>
-            <a:r>
-              <a:rPr lang="ru-RU" sz="4800" dirty="0"/>
-              <a:t>Запуск контейнера</a:t>
-            </a:r>
-            <a:endParaRPr sz="4800" dirty="0"/>
-          </a:p>
-        </p:txBody>
-      </p:sp>
-      <p:sp>
-        <p:nvSpPr>
-          <p:cNvPr id="213" name="Google Shape;213;p13"/>
-          <p:cNvSpPr txBox="1">
-            <a:spLocks noGrp="1"/>
-          </p:cNvSpPr>
-          <p:nvPr>
-            <p:ph type="body" idx="2"/>
-          </p:nvPr>
-        </p:nvSpPr>
-        <p:spPr>
-          <a:xfrm>
-            <a:off x="58783" y="3014049"/>
-            <a:ext cx="1797293" cy="904260"/>
-          </a:xfrm>
-          <a:prstGeom prst="rect">
-            <a:avLst/>
-          </a:prstGeom>
-        </p:spPr>
-        <p:txBody>
-          <a:bodyPr spcFirstLastPara="1" wrap="square" lIns="91425" tIns="91425" rIns="91425" bIns="91425" anchor="t" anchorCtr="0">
-            <a:noAutofit/>
-          </a:bodyPr>
-          <a:lstStyle/>
-          <a:p>
-            <a:pPr marL="0" lvl="0" indent="0" algn="l" rtl="0">
-              <a:spcBef>
-                <a:spcPts val="600"/>
-              </a:spcBef>
-              <a:spcAft>
-                <a:spcPts val="0"/>
-              </a:spcAft>
-              <a:buClr>
-                <a:schemeClr val="dk1"/>
-              </a:buClr>
-              <a:buSzPts val="1100"/>
-              <a:buFont typeface="Arial"/>
-              <a:buNone/>
-            </a:pPr>
-            <a:endParaRPr sz="1200" dirty="0"/>
-          </a:p>
-          <a:p>
-            <a:pPr marL="0" lvl="0" indent="0" algn="l" rtl="0">
-              <a:spcBef>
-                <a:spcPts val="600"/>
-              </a:spcBef>
-              <a:spcAft>
-                <a:spcPts val="0"/>
-              </a:spcAft>
-              <a:buNone/>
-            </a:pPr>
-            <a:endParaRPr sz="1200" dirty="0"/>
-          </a:p>
-        </p:txBody>
-      </p:sp>
-      <p:sp>
-        <p:nvSpPr>
-          <p:cNvPr id="216" name="Google Shape;216;p13"/>
-          <p:cNvSpPr txBox="1">
-            <a:spLocks noGrp="1"/>
-          </p:cNvSpPr>
-          <p:nvPr>
-            <p:ph type="sldNum" idx="12"/>
-          </p:nvPr>
-        </p:nvSpPr>
-        <p:spPr>
-          <a:xfrm>
-            <a:off x="4297650" y="4749851"/>
-            <a:ext cx="548700" cy="393600"/>
-          </a:xfrm>
-          <a:prstGeom prst="rect">
-            <a:avLst/>
-          </a:prstGeom>
-        </p:spPr>
-        <p:txBody>
-          <a:bodyPr spcFirstLastPara="1" wrap="square" lIns="91425" tIns="91425" rIns="91425" bIns="91425" anchor="t" anchorCtr="0">
-            <a:noAutofit/>
-          </a:bodyPr>
-          <a:lstStyle/>
-          <a:p>
-            <a:pPr marL="0" lvl="0" indent="0" algn="ctr" rtl="0">
-              <a:spcBef>
-                <a:spcPts val="0"/>
-              </a:spcBef>
-              <a:spcAft>
-                <a:spcPts val="0"/>
-              </a:spcAft>
-              <a:buNone/>
-            </a:pPr>
-            <a:fld id="{00000000-1234-1234-1234-123412341234}" type="slidenum">
-              <a:rPr lang="en"/>
-              <a:t>14</a:t>
-            </a:fld>
-            <a:endParaRPr/>
-          </a:p>
-        </p:txBody>
-      </p:sp>
-      <p:sp>
-        <p:nvSpPr>
-          <p:cNvPr id="4" name="Прямоугольник 3">
-            <a:extLst>
-              <a:ext uri="{FF2B5EF4-FFF2-40B4-BE49-F238E27FC236}">
-                <a16:creationId xmlns:a16="http://schemas.microsoft.com/office/drawing/2014/main" id="{0C06601A-C77D-454F-AEFB-627ADCA49DD9}"/>
-              </a:ext>
-            </a:extLst>
-          </p:cNvPr>
-          <p:cNvSpPr/>
-          <p:nvPr/>
-        </p:nvSpPr>
-        <p:spPr>
-          <a:xfrm>
-            <a:off x="337059" y="1637502"/>
-            <a:ext cx="4234941" cy="461665"/>
-          </a:xfrm>
-          <a:prstGeom prst="rect">
-            <a:avLst/>
-          </a:prstGeom>
-        </p:spPr>
-        <p:txBody>
-          <a:bodyPr wrap="square">
-            <a:spAutoFit/>
-          </a:bodyPr>
-          <a:lstStyle/>
-          <a:p>
-            <a:br>
-              <a:rPr lang="ru-RU" sz="1200" dirty="0"/>
-            </a:br>
-            <a:endParaRPr lang="ru-RU" sz="1200" dirty="0"/>
-          </a:p>
-        </p:txBody>
-      </p:sp>
-      <p:sp>
-        <p:nvSpPr>
-          <p:cNvPr id="5" name="Прямоугольник 4">
-            <a:extLst>
-              <a:ext uri="{FF2B5EF4-FFF2-40B4-BE49-F238E27FC236}">
-                <a16:creationId xmlns:a16="http://schemas.microsoft.com/office/drawing/2014/main" id="{7F874C6F-0692-4B19-B5DA-EA2EB6F27A59}"/>
-              </a:ext>
-            </a:extLst>
-          </p:cNvPr>
-          <p:cNvSpPr/>
-          <p:nvPr/>
-        </p:nvSpPr>
-        <p:spPr>
-          <a:xfrm>
-            <a:off x="457200" y="2161014"/>
-            <a:ext cx="8128000" cy="1951496"/>
-          </a:xfrm>
-          <a:prstGeom prst="rect">
-            <a:avLst/>
-          </a:prstGeom>
-        </p:spPr>
-        <p:txBody>
-          <a:bodyPr wrap="square">
-            <a:spAutoFit/>
-          </a:bodyPr>
-          <a:lstStyle/>
-          <a:p>
-            <a:pPr marL="514350" lvl="1" indent="-514350">
-              <a:lnSpc>
-                <a:spcPct val="150000"/>
-              </a:lnSpc>
-              <a:buClr>
-                <a:srgbClr val="92D050"/>
-              </a:buClr>
-              <a:buAutoNum type="arabicPeriod"/>
-            </a:pPr>
-            <a:r>
-              <a:rPr lang="ru-RU" sz="2800" dirty="0"/>
-              <a:t>Командой </a:t>
-            </a:r>
-            <a:r>
-              <a:rPr lang="en-US" sz="2800" dirty="0"/>
-              <a:t>‘docker run’</a:t>
-            </a:r>
-            <a:endParaRPr lang="ru-RU" sz="2800" dirty="0"/>
-          </a:p>
-          <a:p>
-            <a:pPr marL="514350" lvl="1" indent="-514350">
-              <a:lnSpc>
-                <a:spcPct val="150000"/>
-              </a:lnSpc>
-              <a:buClr>
-                <a:srgbClr val="92D050"/>
-              </a:buClr>
-              <a:buAutoNum type="arabicPeriod"/>
-            </a:pPr>
-            <a:r>
-              <a:rPr lang="ru-RU" sz="2800" dirty="0"/>
-              <a:t>Используя </a:t>
-            </a:r>
-            <a:r>
-              <a:rPr lang="en-US" sz="2800" dirty="0"/>
-              <a:t>docker-compose </a:t>
-            </a:r>
-            <a:endParaRPr lang="ru-RU" sz="2800" dirty="0"/>
-          </a:p>
-          <a:p>
-            <a:pPr marL="514350" lvl="1" indent="-514350">
-              <a:lnSpc>
-                <a:spcPct val="150000"/>
-              </a:lnSpc>
-              <a:buClr>
-                <a:srgbClr val="92D050"/>
-              </a:buClr>
-              <a:buAutoNum type="arabicPeriod"/>
-            </a:pPr>
-            <a:endParaRPr lang="en-US" sz="2800" dirty="0"/>
-          </a:p>
-        </p:txBody>
-      </p:sp>
-    </p:spTree>
-    <p:extLst>
-      <p:ext uri="{BB962C8B-B14F-4D97-AF65-F5344CB8AC3E}">
-        <p14:creationId xmlns:p14="http://schemas.microsoft.com/office/powerpoint/2010/main" val="1056298099"/>
-      </p:ext>
-    </p:extLst>
-  </p:cSld>
-  <p:clrMapOvr>
-    <a:masterClrMapping/>
-  </p:clrMapOvr>
-</p:sld>
-</file>
-
-<file path=ppt/slides/slide15.xml><?xml version="1.0" encoding="utf-8"?>
-<p:sld xmlns:a="http://schemas.openxmlformats.org/drawingml/2006/main" xmlns:r="http://schemas.openxmlformats.org/officeDocument/2006/relationships" xmlns:p="http://schemas.openxmlformats.org/presentationml/2006/main">
-  <p:cSld>
-    <p:spTree>
-      <p:nvGrpSpPr>
-        <p:cNvPr id="1" name="Shape 248"/>
-        <p:cNvGrpSpPr/>
-        <p:nvPr/>
-      </p:nvGrpSpPr>
-      <p:grpSpPr>
-        <a:xfrm>
-          <a:off x="0" y="0"/>
-          <a:ext cx="0" cy="0"/>
-          <a:chOff x="0" y="0"/>
-          <a:chExt cx="0" cy="0"/>
-        </a:xfrm>
-      </p:grpSpPr>
-      <p:sp>
-        <p:nvSpPr>
-          <p:cNvPr id="3" name="Прямоугольник 2">
-            <a:extLst>
-              <a:ext uri="{FF2B5EF4-FFF2-40B4-BE49-F238E27FC236}">
-                <a16:creationId xmlns:a16="http://schemas.microsoft.com/office/drawing/2014/main" id="{172E00C9-F39F-4D0B-990A-D8871FB26D2A}"/>
-              </a:ext>
-            </a:extLst>
-          </p:cNvPr>
-          <p:cNvSpPr/>
-          <p:nvPr/>
-        </p:nvSpPr>
-        <p:spPr>
-          <a:xfrm>
-            <a:off x="323850" y="1612900"/>
-            <a:ext cx="8496300" cy="2908300"/>
-          </a:xfrm>
-          <a:prstGeom prst="rect">
-            <a:avLst/>
-          </a:prstGeom>
-        </p:spPr>
-        <p:style>
-          <a:lnRef idx="1">
-            <a:schemeClr val="dk1"/>
-          </a:lnRef>
-          <a:fillRef idx="2">
-            <a:schemeClr val="dk1"/>
-          </a:fillRef>
-          <a:effectRef idx="1">
-            <a:schemeClr val="dk1"/>
-          </a:effectRef>
-          <a:fontRef idx="minor">
-            <a:schemeClr val="dk1"/>
-          </a:fontRef>
-        </p:style>
-        <p:txBody>
-          <a:bodyPr rtlCol="0" anchor="ctr"/>
-          <a:lstStyle/>
-          <a:p>
-            <a:r>
-              <a:rPr lang="en-US" sz="1800" dirty="0"/>
-              <a:t>docker run -d -p 15005:15672 -p 15006:5672 --network=example-</a:t>
-            </a:r>
-            <a:r>
-              <a:rPr lang="en-US" sz="1800" dirty="0" err="1"/>
-              <a:t>ntw</a:t>
-            </a:r>
-            <a:r>
-              <a:rPr lang="en-US" sz="1800" dirty="0"/>
-              <a:t> --name example-rabbit -e RABBITMQ_DEFAULT_VHOST=</a:t>
-            </a:r>
-            <a:r>
-              <a:rPr lang="en-US" sz="1800" dirty="0" err="1"/>
-              <a:t>example_vhost</a:t>
-            </a:r>
-            <a:r>
-              <a:rPr lang="en-US" sz="1800" dirty="0"/>
-              <a:t> rabbitmq:3-management</a:t>
-            </a:r>
-          </a:p>
-          <a:p>
-            <a:endParaRPr lang="en-US" sz="1800" dirty="0"/>
-          </a:p>
-          <a:p>
-            <a:r>
-              <a:rPr lang="en-US" sz="1800" dirty="0"/>
-              <a:t>docker run -d -e 'ACCEPT_EULA=Y' -e 'SA_PASSWORD=555331qQ!' -p 15433:1433 --network=example-</a:t>
-            </a:r>
-            <a:r>
-              <a:rPr lang="en-US" sz="1800" dirty="0" err="1"/>
-              <a:t>ntw</a:t>
-            </a:r>
-            <a:r>
-              <a:rPr lang="en-US" sz="1800" dirty="0"/>
-              <a:t> --name example-</a:t>
-            </a:r>
-            <a:r>
-              <a:rPr lang="en-US" sz="1800" dirty="0" err="1"/>
-              <a:t>sql</a:t>
-            </a:r>
-            <a:r>
-              <a:rPr lang="en-US" sz="1800" dirty="0"/>
-              <a:t> example-</a:t>
-            </a:r>
-            <a:r>
-              <a:rPr lang="en-US" sz="1800" dirty="0" err="1"/>
-              <a:t>sql</a:t>
-            </a:r>
-            <a:endParaRPr lang="en-US" sz="1800" dirty="0"/>
-          </a:p>
-        </p:txBody>
-      </p:sp>
-      <p:sp>
-        <p:nvSpPr>
-          <p:cNvPr id="20" name="Прямоугольник 19">
-            <a:extLst>
-              <a:ext uri="{FF2B5EF4-FFF2-40B4-BE49-F238E27FC236}">
-                <a16:creationId xmlns:a16="http://schemas.microsoft.com/office/drawing/2014/main" id="{E8DB6B33-A113-4870-8900-434B906D3553}"/>
-              </a:ext>
-            </a:extLst>
-          </p:cNvPr>
-          <p:cNvSpPr/>
-          <p:nvPr/>
-        </p:nvSpPr>
-        <p:spPr>
-          <a:xfrm>
-            <a:off x="1631950" y="292100"/>
-            <a:ext cx="5632450" cy="901700"/>
-          </a:xfrm>
-          <a:prstGeom prst="rect">
-            <a:avLst/>
-          </a:prstGeom>
-        </p:spPr>
-        <p:style>
-          <a:lnRef idx="1">
-            <a:schemeClr val="dk1"/>
-          </a:lnRef>
-          <a:fillRef idx="2">
-            <a:schemeClr val="dk1"/>
-          </a:fillRef>
-          <a:effectRef idx="1">
-            <a:schemeClr val="dk1"/>
-          </a:effectRef>
-          <a:fontRef idx="minor">
-            <a:schemeClr val="dk1"/>
-          </a:fontRef>
-        </p:style>
-        <p:txBody>
-          <a:bodyPr rtlCol="0" anchor="ctr"/>
-          <a:lstStyle/>
-          <a:p>
-            <a:pPr algn="ctr"/>
-            <a:r>
-              <a:rPr lang="en-US" sz="3600" b="1" dirty="0"/>
-              <a:t>run-rabbit-sql.ps1</a:t>
-            </a:r>
-          </a:p>
-        </p:txBody>
-      </p:sp>
-    </p:spTree>
-    <p:extLst>
-      <p:ext uri="{BB962C8B-B14F-4D97-AF65-F5344CB8AC3E}">
-        <p14:creationId xmlns:p14="http://schemas.microsoft.com/office/powerpoint/2010/main" val="3120022652"/>
-      </p:ext>
-    </p:extLst>
-  </p:cSld>
-  <p:clrMapOvr>
-    <a:masterClrMapping/>
-  </p:clrMapOvr>
-  <p:transition>
-    <p:fade thruBlk="1"/>
-  </p:transition>
-</p:sld>
-</file>
-
-<file path=ppt/slides/slide16.xml><?xml version="1.0" encoding="utf-8"?>
-<p:sld xmlns:a="http://schemas.openxmlformats.org/drawingml/2006/main" xmlns:r="http://schemas.openxmlformats.org/officeDocument/2006/relationships" xmlns:p="http://schemas.openxmlformats.org/presentationml/2006/main">
-  <p:cSld>
-    <p:spTree>
-      <p:nvGrpSpPr>
-        <p:cNvPr id="1" name="Shape 211"/>
-        <p:cNvGrpSpPr/>
-        <p:nvPr/>
-      </p:nvGrpSpPr>
-      <p:grpSpPr>
-        <a:xfrm>
-          <a:off x="0" y="0"/>
-          <a:ext cx="0" cy="0"/>
-          <a:chOff x="0" y="0"/>
-          <a:chExt cx="0" cy="0"/>
-        </a:xfrm>
-      </p:grpSpPr>
-      <p:sp>
-        <p:nvSpPr>
-          <p:cNvPr id="212" name="Google Shape;212;p13"/>
-          <p:cNvSpPr txBox="1">
-            <a:spLocks noGrp="1"/>
-          </p:cNvSpPr>
-          <p:nvPr>
-            <p:ph type="title"/>
-          </p:nvPr>
-        </p:nvSpPr>
-        <p:spPr>
-          <a:xfrm>
-            <a:off x="457200" y="-1"/>
-            <a:ext cx="8229600" cy="1063500"/>
-          </a:xfrm>
-          <a:prstGeom prst="rect">
-            <a:avLst/>
-          </a:prstGeom>
-        </p:spPr>
-        <p:txBody>
-          <a:bodyPr spcFirstLastPara="1" wrap="square" lIns="91425" tIns="91425" rIns="91425" bIns="91425" anchor="ctr" anchorCtr="0">
-            <a:noAutofit/>
-          </a:bodyPr>
-          <a:lstStyle/>
-          <a:p>
-            <a:pPr marL="0" lvl="0" indent="0" algn="ctr" rtl="0">
-              <a:spcBef>
-                <a:spcPts val="0"/>
-              </a:spcBef>
-              <a:spcAft>
-                <a:spcPts val="0"/>
-              </a:spcAft>
-              <a:buNone/>
-            </a:pPr>
-            <a:r>
-              <a:rPr lang="ru-RU" sz="4800" dirty="0"/>
-              <a:t>Запуск</a:t>
-            </a:r>
-            <a:r>
-              <a:rPr lang="en-US" sz="4800" dirty="0"/>
-              <a:t> </a:t>
-            </a:r>
-            <a:r>
-              <a:rPr lang="en-US" sz="4800" dirty="0" err="1"/>
-              <a:t>.net</a:t>
-            </a:r>
-            <a:r>
-              <a:rPr lang="en-US" sz="4800" dirty="0"/>
-              <a:t> core </a:t>
-            </a:r>
-            <a:r>
-              <a:rPr lang="ru-RU" sz="4800" dirty="0"/>
-              <a:t>сервиса </a:t>
-            </a:r>
-            <a:endParaRPr sz="4800" dirty="0"/>
-          </a:p>
-        </p:txBody>
-      </p:sp>
-      <p:sp>
-        <p:nvSpPr>
-          <p:cNvPr id="213" name="Google Shape;213;p13"/>
-          <p:cNvSpPr txBox="1">
-            <a:spLocks noGrp="1"/>
-          </p:cNvSpPr>
-          <p:nvPr>
-            <p:ph type="body" idx="2"/>
-          </p:nvPr>
-        </p:nvSpPr>
-        <p:spPr>
-          <a:xfrm>
-            <a:off x="58783" y="3014049"/>
-            <a:ext cx="1797293" cy="904260"/>
-          </a:xfrm>
-          <a:prstGeom prst="rect">
-            <a:avLst/>
-          </a:prstGeom>
-        </p:spPr>
-        <p:txBody>
-          <a:bodyPr spcFirstLastPara="1" wrap="square" lIns="91425" tIns="91425" rIns="91425" bIns="91425" anchor="t" anchorCtr="0">
-            <a:noAutofit/>
-          </a:bodyPr>
-          <a:lstStyle/>
-          <a:p>
-            <a:pPr marL="0" lvl="0" indent="0" algn="l" rtl="0">
-              <a:spcBef>
-                <a:spcPts val="600"/>
-              </a:spcBef>
-              <a:spcAft>
-                <a:spcPts val="0"/>
-              </a:spcAft>
-              <a:buClr>
-                <a:schemeClr val="dk1"/>
-              </a:buClr>
-              <a:buSzPts val="1100"/>
-              <a:buFont typeface="Arial"/>
-              <a:buNone/>
-            </a:pPr>
-            <a:endParaRPr sz="1200" dirty="0"/>
-          </a:p>
-          <a:p>
-            <a:pPr marL="0" lvl="0" indent="0" algn="l" rtl="0">
-              <a:spcBef>
-                <a:spcPts val="600"/>
-              </a:spcBef>
-              <a:spcAft>
-                <a:spcPts val="0"/>
-              </a:spcAft>
-              <a:buNone/>
-            </a:pPr>
-            <a:endParaRPr sz="1200" dirty="0"/>
-          </a:p>
-        </p:txBody>
-      </p:sp>
-      <p:sp>
-        <p:nvSpPr>
-          <p:cNvPr id="216" name="Google Shape;216;p13"/>
-          <p:cNvSpPr txBox="1">
-            <a:spLocks noGrp="1"/>
-          </p:cNvSpPr>
-          <p:nvPr>
-            <p:ph type="sldNum" idx="12"/>
-          </p:nvPr>
-        </p:nvSpPr>
-        <p:spPr>
-          <a:xfrm>
-            <a:off x="4297650" y="4749851"/>
-            <a:ext cx="548700" cy="393600"/>
-          </a:xfrm>
-          <a:prstGeom prst="rect">
-            <a:avLst/>
-          </a:prstGeom>
-        </p:spPr>
-        <p:txBody>
-          <a:bodyPr spcFirstLastPara="1" wrap="square" lIns="91425" tIns="91425" rIns="91425" bIns="91425" anchor="t" anchorCtr="0">
-            <a:noAutofit/>
-          </a:bodyPr>
-          <a:lstStyle/>
-          <a:p>
-            <a:pPr marL="0" lvl="0" indent="0" algn="ctr" rtl="0">
-              <a:spcBef>
-                <a:spcPts val="0"/>
-              </a:spcBef>
-              <a:spcAft>
-                <a:spcPts val="0"/>
-              </a:spcAft>
-              <a:buNone/>
-            </a:pPr>
-            <a:fld id="{00000000-1234-1234-1234-123412341234}" type="slidenum">
-              <a:rPr lang="en"/>
-              <a:t>16</a:t>
-            </a:fld>
-            <a:endParaRPr/>
-          </a:p>
-        </p:txBody>
-      </p:sp>
-      <p:sp>
-        <p:nvSpPr>
-          <p:cNvPr id="4" name="Прямоугольник 3">
-            <a:extLst>
-              <a:ext uri="{FF2B5EF4-FFF2-40B4-BE49-F238E27FC236}">
-                <a16:creationId xmlns:a16="http://schemas.microsoft.com/office/drawing/2014/main" id="{0C06601A-C77D-454F-AEFB-627ADCA49DD9}"/>
-              </a:ext>
-            </a:extLst>
-          </p:cNvPr>
-          <p:cNvSpPr/>
-          <p:nvPr/>
-        </p:nvSpPr>
-        <p:spPr>
-          <a:xfrm>
-            <a:off x="337059" y="1637502"/>
-            <a:ext cx="4234941" cy="461665"/>
-          </a:xfrm>
-          <a:prstGeom prst="rect">
-            <a:avLst/>
-          </a:prstGeom>
-        </p:spPr>
-        <p:txBody>
-          <a:bodyPr wrap="square">
-            <a:spAutoFit/>
-          </a:bodyPr>
-          <a:lstStyle/>
-          <a:p>
-            <a:br>
-              <a:rPr lang="ru-RU" sz="1200" dirty="0"/>
-            </a:br>
-            <a:endParaRPr lang="ru-RU" sz="1200" dirty="0"/>
-          </a:p>
-        </p:txBody>
-      </p:sp>
-      <p:sp>
-        <p:nvSpPr>
-          <p:cNvPr id="5" name="Прямоугольник 4">
-            <a:extLst>
-              <a:ext uri="{FF2B5EF4-FFF2-40B4-BE49-F238E27FC236}">
-                <a16:creationId xmlns:a16="http://schemas.microsoft.com/office/drawing/2014/main" id="{7F874C6F-0692-4B19-B5DA-EA2EB6F27A59}"/>
-              </a:ext>
-            </a:extLst>
-          </p:cNvPr>
-          <p:cNvSpPr/>
-          <p:nvPr/>
-        </p:nvSpPr>
-        <p:spPr>
-          <a:xfrm>
-            <a:off x="457199" y="1637502"/>
-            <a:ext cx="8349741" cy="1951496"/>
-          </a:xfrm>
-          <a:prstGeom prst="rect">
-            <a:avLst/>
-          </a:prstGeom>
-        </p:spPr>
-        <p:txBody>
-          <a:bodyPr wrap="square">
-            <a:spAutoFit/>
-          </a:bodyPr>
-          <a:lstStyle/>
-          <a:p>
-            <a:pPr lvl="1">
-              <a:lnSpc>
-                <a:spcPct val="150000"/>
-              </a:lnSpc>
-              <a:buClr>
-                <a:srgbClr val="92D050"/>
-              </a:buClr>
-            </a:pPr>
-            <a:r>
-              <a:rPr lang="en-US" sz="2800" dirty="0"/>
-              <a:t>docker container run -p 15008:15008 --network=example-</a:t>
-            </a:r>
-            <a:r>
-              <a:rPr lang="en-US" sz="2800" dirty="0" err="1"/>
-              <a:t>ntw</a:t>
-            </a:r>
-            <a:r>
-              <a:rPr lang="en-US" sz="2800" dirty="0"/>
-              <a:t> --name example-svc </a:t>
-            </a:r>
-            <a:r>
-              <a:rPr lang="en-US" sz="2800" dirty="0" err="1"/>
-              <a:t>example-svc</a:t>
-            </a:r>
-            <a:endParaRPr lang="en-US" sz="2800" dirty="0"/>
-          </a:p>
-        </p:txBody>
-      </p:sp>
-    </p:spTree>
-    <p:extLst>
-      <p:ext uri="{BB962C8B-B14F-4D97-AF65-F5344CB8AC3E}">
-        <p14:creationId xmlns:p14="http://schemas.microsoft.com/office/powerpoint/2010/main" val="223557691"/>
-      </p:ext>
-    </p:extLst>
-  </p:cSld>
-  <p:clrMapOvr>
-    <a:masterClrMapping/>
-  </p:clrMapOvr>
-</p:sld>
-</file>
-
-<file path=ppt/slides/slide17.xml><?xml version="1.0" encoding="utf-8"?>
-<p:sld xmlns:a="http://schemas.openxmlformats.org/drawingml/2006/main" xmlns:r="http://schemas.openxmlformats.org/officeDocument/2006/relationships" xmlns:p="http://schemas.openxmlformats.org/presentationml/2006/main">
-  <p:cSld>
-    <p:spTree>
-      <p:nvGrpSpPr>
-        <p:cNvPr id="1" name="Shape 211"/>
-        <p:cNvGrpSpPr/>
-        <p:nvPr/>
-      </p:nvGrpSpPr>
-      <p:grpSpPr>
-        <a:xfrm>
-          <a:off x="0" y="0"/>
-          <a:ext cx="0" cy="0"/>
-          <a:chOff x="0" y="0"/>
-          <a:chExt cx="0" cy="0"/>
-        </a:xfrm>
-      </p:grpSpPr>
-      <p:sp>
-        <p:nvSpPr>
-          <p:cNvPr id="212" name="Google Shape;212;p13"/>
-          <p:cNvSpPr txBox="1">
-            <a:spLocks noGrp="1"/>
-          </p:cNvSpPr>
-          <p:nvPr>
-            <p:ph type="title"/>
-          </p:nvPr>
-        </p:nvSpPr>
-        <p:spPr>
-          <a:xfrm>
-            <a:off x="457200" y="-1"/>
-            <a:ext cx="8229600" cy="1063500"/>
-          </a:xfrm>
-          <a:prstGeom prst="rect">
-            <a:avLst/>
-          </a:prstGeom>
-        </p:spPr>
-        <p:txBody>
-          <a:bodyPr spcFirstLastPara="1" wrap="square" lIns="91425" tIns="91425" rIns="91425" bIns="91425" anchor="ctr" anchorCtr="0">
-            <a:noAutofit/>
-          </a:bodyPr>
-          <a:lstStyle/>
-          <a:p>
-            <a:pPr marL="0" lvl="0" indent="0" algn="ctr" rtl="0">
-              <a:spcBef>
-                <a:spcPts val="0"/>
-              </a:spcBef>
-              <a:spcAft>
-                <a:spcPts val="0"/>
-              </a:spcAft>
-              <a:buNone/>
-            </a:pPr>
-            <a:r>
-              <a:rPr lang="ru-RU" sz="4800" dirty="0"/>
-              <a:t>Запуск</a:t>
-            </a:r>
-            <a:r>
-              <a:rPr lang="en-US" sz="4800" dirty="0"/>
-              <a:t> python </a:t>
-            </a:r>
-            <a:r>
-              <a:rPr lang="ru-RU" sz="4800" dirty="0"/>
-              <a:t>сервиса </a:t>
-            </a:r>
-            <a:endParaRPr sz="4800" dirty="0"/>
-          </a:p>
-        </p:txBody>
-      </p:sp>
-      <p:sp>
-        <p:nvSpPr>
-          <p:cNvPr id="213" name="Google Shape;213;p13"/>
-          <p:cNvSpPr txBox="1">
-            <a:spLocks noGrp="1"/>
-          </p:cNvSpPr>
-          <p:nvPr>
-            <p:ph type="body" idx="2"/>
-          </p:nvPr>
-        </p:nvSpPr>
-        <p:spPr>
-          <a:xfrm>
-            <a:off x="58783" y="3014049"/>
-            <a:ext cx="1797293" cy="904260"/>
-          </a:xfrm>
-          <a:prstGeom prst="rect">
-            <a:avLst/>
-          </a:prstGeom>
-        </p:spPr>
-        <p:txBody>
-          <a:bodyPr spcFirstLastPara="1" wrap="square" lIns="91425" tIns="91425" rIns="91425" bIns="91425" anchor="t" anchorCtr="0">
-            <a:noAutofit/>
-          </a:bodyPr>
-          <a:lstStyle/>
-          <a:p>
-            <a:pPr marL="0" lvl="0" indent="0" algn="l" rtl="0">
-              <a:spcBef>
-                <a:spcPts val="600"/>
-              </a:spcBef>
-              <a:spcAft>
-                <a:spcPts val="0"/>
-              </a:spcAft>
-              <a:buClr>
-                <a:schemeClr val="dk1"/>
-              </a:buClr>
-              <a:buSzPts val="1100"/>
-              <a:buFont typeface="Arial"/>
-              <a:buNone/>
-            </a:pPr>
-            <a:endParaRPr sz="1200" dirty="0"/>
-          </a:p>
-          <a:p>
-            <a:pPr marL="0" lvl="0" indent="0" algn="l" rtl="0">
-              <a:spcBef>
-                <a:spcPts val="600"/>
-              </a:spcBef>
-              <a:spcAft>
-                <a:spcPts val="0"/>
-              </a:spcAft>
-              <a:buNone/>
-            </a:pPr>
-            <a:endParaRPr sz="1200" dirty="0"/>
-          </a:p>
-        </p:txBody>
-      </p:sp>
-      <p:sp>
-        <p:nvSpPr>
-          <p:cNvPr id="216" name="Google Shape;216;p13"/>
-          <p:cNvSpPr txBox="1">
-            <a:spLocks noGrp="1"/>
-          </p:cNvSpPr>
-          <p:nvPr>
-            <p:ph type="sldNum" idx="12"/>
-          </p:nvPr>
-        </p:nvSpPr>
-        <p:spPr>
-          <a:xfrm>
-            <a:off x="4297650" y="4749851"/>
-            <a:ext cx="548700" cy="393600"/>
-          </a:xfrm>
-          <a:prstGeom prst="rect">
-            <a:avLst/>
-          </a:prstGeom>
-        </p:spPr>
-        <p:txBody>
-          <a:bodyPr spcFirstLastPara="1" wrap="square" lIns="91425" tIns="91425" rIns="91425" bIns="91425" anchor="t" anchorCtr="0">
-            <a:noAutofit/>
-          </a:bodyPr>
-          <a:lstStyle/>
-          <a:p>
-            <a:pPr marL="0" lvl="0" indent="0" algn="ctr" rtl="0">
-              <a:spcBef>
-                <a:spcPts val="0"/>
-              </a:spcBef>
-              <a:spcAft>
-                <a:spcPts val="0"/>
-              </a:spcAft>
-              <a:buNone/>
-            </a:pPr>
-            <a:fld id="{00000000-1234-1234-1234-123412341234}" type="slidenum">
-              <a:rPr lang="en"/>
-              <a:t>17</a:t>
-            </a:fld>
-            <a:endParaRPr/>
-          </a:p>
-        </p:txBody>
-      </p:sp>
-      <p:sp>
-        <p:nvSpPr>
-          <p:cNvPr id="4" name="Прямоугольник 3">
-            <a:extLst>
-              <a:ext uri="{FF2B5EF4-FFF2-40B4-BE49-F238E27FC236}">
-                <a16:creationId xmlns:a16="http://schemas.microsoft.com/office/drawing/2014/main" id="{0C06601A-C77D-454F-AEFB-627ADCA49DD9}"/>
-              </a:ext>
-            </a:extLst>
-          </p:cNvPr>
-          <p:cNvSpPr/>
-          <p:nvPr/>
-        </p:nvSpPr>
-        <p:spPr>
-          <a:xfrm>
-            <a:off x="337059" y="1637502"/>
-            <a:ext cx="4234941" cy="461665"/>
-          </a:xfrm>
-          <a:prstGeom prst="rect">
-            <a:avLst/>
-          </a:prstGeom>
-        </p:spPr>
-        <p:txBody>
-          <a:bodyPr wrap="square">
-            <a:spAutoFit/>
-          </a:bodyPr>
-          <a:lstStyle/>
-          <a:p>
-            <a:br>
-              <a:rPr lang="ru-RU" sz="1200" dirty="0"/>
-            </a:br>
-            <a:endParaRPr lang="ru-RU" sz="1200" dirty="0"/>
-          </a:p>
-        </p:txBody>
-      </p:sp>
-      <p:sp>
-        <p:nvSpPr>
-          <p:cNvPr id="5" name="Прямоугольник 4">
-            <a:extLst>
-              <a:ext uri="{FF2B5EF4-FFF2-40B4-BE49-F238E27FC236}">
-                <a16:creationId xmlns:a16="http://schemas.microsoft.com/office/drawing/2014/main" id="{7F874C6F-0692-4B19-B5DA-EA2EB6F27A59}"/>
-              </a:ext>
-            </a:extLst>
-          </p:cNvPr>
-          <p:cNvSpPr/>
-          <p:nvPr/>
-        </p:nvSpPr>
-        <p:spPr>
-          <a:xfrm>
-            <a:off x="457200" y="2020587"/>
-            <a:ext cx="8349741" cy="1305165"/>
-          </a:xfrm>
-          <a:prstGeom prst="rect">
-            <a:avLst/>
-          </a:prstGeom>
-        </p:spPr>
-        <p:txBody>
-          <a:bodyPr wrap="square">
-            <a:spAutoFit/>
-          </a:bodyPr>
-          <a:lstStyle/>
-          <a:p>
-            <a:pPr lvl="1">
-              <a:lnSpc>
-                <a:spcPct val="150000"/>
-              </a:lnSpc>
-              <a:buClr>
-                <a:srgbClr val="92D050"/>
-              </a:buClr>
-            </a:pPr>
-            <a:r>
-              <a:rPr lang="en-US" sz="2800" dirty="0"/>
-              <a:t>docker run –d -p 15000:5000 --network=example-</a:t>
-            </a:r>
-            <a:r>
-              <a:rPr lang="en-US" sz="2800" dirty="0" err="1"/>
-              <a:t>ntw</a:t>
-            </a:r>
-            <a:r>
-              <a:rPr lang="en-US" sz="2800" dirty="0"/>
-              <a:t> --name example-</a:t>
-            </a:r>
-            <a:r>
-              <a:rPr lang="en-US" sz="2800" dirty="0" err="1"/>
-              <a:t>pyapi</a:t>
-            </a:r>
-            <a:r>
-              <a:rPr lang="en-US" sz="2800" dirty="0"/>
-              <a:t> example-</a:t>
-            </a:r>
-            <a:r>
-              <a:rPr lang="en-US" sz="2800" dirty="0" err="1"/>
-              <a:t>pyapi</a:t>
-            </a:r>
-            <a:endParaRPr lang="en-US" sz="2800" dirty="0"/>
-          </a:p>
-        </p:txBody>
-      </p:sp>
-    </p:spTree>
-    <p:extLst>
-      <p:ext uri="{BB962C8B-B14F-4D97-AF65-F5344CB8AC3E}">
-        <p14:creationId xmlns:p14="http://schemas.microsoft.com/office/powerpoint/2010/main" val="344587368"/>
-      </p:ext>
-    </p:extLst>
-  </p:cSld>
-  <p:clrMapOvr>
-    <a:masterClrMapping/>
-  </p:clrMapOvr>
-</p:sld>
-</file>
-
-<file path=ppt/slides/slide18.xml><?xml version="1.0" encoding="utf-8"?>
 <p:sld xmlns:a="http://schemas.openxmlformats.org/drawingml/2006/main" xmlns:r="http://schemas.openxmlformats.org/officeDocument/2006/relationships" xmlns:p="http://schemas.openxmlformats.org/presentationml/2006/main">
   <p:cSld>
     <p:spTree>
@@ -15498,7 +14553,7 @@
             </a:pPr>
             <a:fld id="{00000000-1234-1234-1234-123412341234}" type="slidenum">
               <a:rPr lang="en"/>
-              <a:t>18</a:t>
+              <a:t>14</a:t>
             </a:fld>
             <a:endParaRPr/>
           </a:p>
@@ -17147,6 +16202,11 @@
         </p:txBody>
       </p:sp>
     </p:spTree>
+    <p:extLst>
+      <p:ext uri="{BB962C8B-B14F-4D97-AF65-F5344CB8AC3E}">
+        <p14:creationId xmlns:p14="http://schemas.microsoft.com/office/powerpoint/2010/main" val="2656448197"/>
+      </p:ext>
+    </p:extLst>
   </p:cSld>
   <p:clrMapOvr>
     <a:masterClrMapping/>
@@ -17154,7 +16214,7 @@
 </p:sld>
 </file>
 
-<file path=ppt/slides/slide19.xml><?xml version="1.0" encoding="utf-8"?>
+<file path=ppt/slides/slide15.xml><?xml version="1.0" encoding="utf-8"?>
 <p:sld xmlns:a="http://schemas.openxmlformats.org/drawingml/2006/main" xmlns:r="http://schemas.openxmlformats.org/officeDocument/2006/relationships" xmlns:p="http://schemas.openxmlformats.org/presentationml/2006/main">
   <p:cSld>
     <p:spTree>
@@ -17206,8 +16266,8 @@
               <a:buNone/>
             </a:pPr>
             <a:r>
-              <a:rPr lang="en-US" sz="4800" dirty="0"/>
-              <a:t>docker-compose</a:t>
+              <a:rPr lang="ru-RU" sz="4800" dirty="0"/>
+              <a:t>Запуск контейнера</a:t>
             </a:r>
             <a:endParaRPr sz="4800" dirty="0"/>
           </a:p>
@@ -17304,7 +16364,7 @@
             </a:pPr>
             <a:fld id="{00000000-1234-1234-1234-123412341234}" type="slidenum">
               <a:rPr lang="en"/>
-              <a:t>19</a:t>
+              <a:t>15</a:t>
             </a:fld>
             <a:endParaRPr/>
           </a:p>
@@ -17344,56 +16404,2521 @@
           </a:p>
         </p:txBody>
       </p:sp>
-      <p:pic>
-        <p:nvPicPr>
-          <p:cNvPr id="2" name="Рисунок 1">
+      <p:sp>
+        <p:nvSpPr>
+          <p:cNvPr id="5" name="Прямоугольник 4">
             <a:extLst>
               <a:ext uri="{FF2B5EF4-FFF2-40B4-BE49-F238E27FC236}">
-                <a16:creationId xmlns:a16="http://schemas.microsoft.com/office/drawing/2014/main" id="{18D4ACEB-5225-4DDC-9A4C-AAF0E38303D8}"/>
+                <a16:creationId xmlns:a16="http://schemas.microsoft.com/office/drawing/2014/main" id="{7F874C6F-0692-4B19-B5DA-EA2EB6F27A59}"/>
               </a:ext>
             </a:extLst>
           </p:cNvPr>
-          <p:cNvPicPr>
-            <a:picLocks noChangeAspect="1"/>
-          </p:cNvPicPr>
+          <p:cNvSpPr/>
           <p:nvPr/>
-        </p:nvPicPr>
-        <p:blipFill>
-          <a:blip r:embed="rId3"/>
-          <a:stretch>
-            <a:fillRect/>
-          </a:stretch>
-        </p:blipFill>
+        </p:nvSpPr>
         <p:spPr>
           <a:xfrm>
-            <a:off x="1665893" y="1439487"/>
-            <a:ext cx="6360914" cy="3149123"/>
+            <a:off x="457200" y="2161014"/>
+            <a:ext cx="8128000" cy="1951496"/>
+          </a:xfrm>
+          <a:prstGeom prst="rect">
+            <a:avLst/>
+          </a:prstGeom>
+        </p:spPr>
+        <p:txBody>
+          <a:bodyPr wrap="square">
+            <a:spAutoFit/>
+          </a:bodyPr>
+          <a:lstStyle/>
+          <a:p>
+            <a:pPr marL="514350" lvl="1" indent="-514350">
+              <a:lnSpc>
+                <a:spcPct val="150000"/>
+              </a:lnSpc>
+              <a:buClr>
+                <a:srgbClr val="92D050"/>
+              </a:buClr>
+              <a:buAutoNum type="arabicPeriod"/>
+            </a:pPr>
+            <a:r>
+              <a:rPr lang="ru-RU" sz="2800" dirty="0"/>
+              <a:t>Командой </a:t>
+            </a:r>
+            <a:r>
+              <a:rPr lang="en-US" sz="2800" dirty="0"/>
+              <a:t>‘docker run’</a:t>
+            </a:r>
+            <a:endParaRPr lang="ru-RU" sz="2800" dirty="0"/>
+          </a:p>
+          <a:p>
+            <a:pPr marL="514350" lvl="1" indent="-514350">
+              <a:lnSpc>
+                <a:spcPct val="150000"/>
+              </a:lnSpc>
+              <a:buClr>
+                <a:srgbClr val="92D050"/>
+              </a:buClr>
+              <a:buAutoNum type="arabicPeriod"/>
+            </a:pPr>
+            <a:r>
+              <a:rPr lang="ru-RU" sz="2800" dirty="0"/>
+              <a:t>Используя </a:t>
+            </a:r>
+            <a:r>
+              <a:rPr lang="en-US" sz="2800" dirty="0"/>
+              <a:t>docker-compose </a:t>
+            </a:r>
+            <a:endParaRPr lang="ru-RU" sz="2800" dirty="0"/>
+          </a:p>
+          <a:p>
+            <a:pPr marL="514350" lvl="1" indent="-514350">
+              <a:lnSpc>
+                <a:spcPct val="150000"/>
+              </a:lnSpc>
+              <a:buClr>
+                <a:srgbClr val="92D050"/>
+              </a:buClr>
+              <a:buAutoNum type="arabicPeriod"/>
+            </a:pPr>
+            <a:endParaRPr lang="en-US" sz="2800" dirty="0"/>
+          </a:p>
+        </p:txBody>
+      </p:sp>
+    </p:spTree>
+    <p:extLst>
+      <p:ext uri="{BB962C8B-B14F-4D97-AF65-F5344CB8AC3E}">
+        <p14:creationId xmlns:p14="http://schemas.microsoft.com/office/powerpoint/2010/main" val="1056298099"/>
+      </p:ext>
+    </p:extLst>
+  </p:cSld>
+  <p:clrMapOvr>
+    <a:masterClrMapping/>
+  </p:clrMapOvr>
+</p:sld>
+</file>
+
+<file path=ppt/slides/slide16.xml><?xml version="1.0" encoding="utf-8"?>
+<p:sld xmlns:a="http://schemas.openxmlformats.org/drawingml/2006/main" xmlns:r="http://schemas.openxmlformats.org/officeDocument/2006/relationships" xmlns:p="http://schemas.openxmlformats.org/presentationml/2006/main">
+  <p:cSld>
+    <p:spTree>
+      <p:nvGrpSpPr>
+        <p:cNvPr id="1" name="Shape 248"/>
+        <p:cNvGrpSpPr/>
+        <p:nvPr/>
+      </p:nvGrpSpPr>
+      <p:grpSpPr>
+        <a:xfrm>
+          <a:off x="0" y="0"/>
+          <a:ext cx="0" cy="0"/>
+          <a:chOff x="0" y="0"/>
+          <a:chExt cx="0" cy="0"/>
+        </a:xfrm>
+      </p:grpSpPr>
+      <p:sp>
+        <p:nvSpPr>
+          <p:cNvPr id="3" name="Прямоугольник 2">
+            <a:extLst>
+              <a:ext uri="{FF2B5EF4-FFF2-40B4-BE49-F238E27FC236}">
+                <a16:creationId xmlns:a16="http://schemas.microsoft.com/office/drawing/2014/main" id="{172E00C9-F39F-4D0B-990A-D8871FB26D2A}"/>
+              </a:ext>
+            </a:extLst>
+          </p:cNvPr>
+          <p:cNvSpPr/>
+          <p:nvPr/>
+        </p:nvSpPr>
+        <p:spPr>
+          <a:xfrm>
+            <a:off x="323850" y="1612900"/>
+            <a:ext cx="8496300" cy="2908300"/>
           </a:xfrm>
           <a:prstGeom prst="rect">
             <a:avLst/>
           </a:prstGeom>
         </p:spPr>
         <p:style>
-          <a:lnRef idx="2">
-            <a:schemeClr val="accent3"/>
+          <a:lnRef idx="1">
+            <a:schemeClr val="dk1"/>
           </a:lnRef>
-          <a:fillRef idx="1">
-            <a:schemeClr val="lt1"/>
+          <a:fillRef idx="2">
+            <a:schemeClr val="dk1"/>
           </a:fillRef>
-          <a:effectRef idx="0">
-            <a:schemeClr val="accent3"/>
+          <a:effectRef idx="1">
+            <a:schemeClr val="dk1"/>
           </a:effectRef>
           <a:fontRef idx="minor">
             <a:schemeClr val="dk1"/>
           </a:fontRef>
         </p:style>
-      </p:pic>
+        <p:txBody>
+          <a:bodyPr rtlCol="0" anchor="ctr"/>
+          <a:lstStyle/>
+          <a:p>
+            <a:r>
+              <a:rPr lang="en-US" sz="1800" dirty="0"/>
+              <a:t>docker run -d -p 15005:15672 -p 15006:5672 --network=example-</a:t>
+            </a:r>
+            <a:r>
+              <a:rPr lang="en-US" sz="1800" dirty="0" err="1"/>
+              <a:t>ntw</a:t>
+            </a:r>
+            <a:r>
+              <a:rPr lang="en-US" sz="1800" dirty="0"/>
+              <a:t> --name example-rabbit -e RABBITMQ_DEFAULT_VHOST=</a:t>
+            </a:r>
+            <a:r>
+              <a:rPr lang="en-US" sz="1800" dirty="0" err="1"/>
+              <a:t>example_vhost</a:t>
+            </a:r>
+            <a:r>
+              <a:rPr lang="en-US" sz="1800" dirty="0"/>
+              <a:t> rabbitmq:3-management</a:t>
+            </a:r>
+          </a:p>
+          <a:p>
+            <a:endParaRPr lang="en-US" sz="1800" dirty="0"/>
+          </a:p>
+          <a:p>
+            <a:r>
+              <a:rPr lang="en-US" sz="1800" dirty="0"/>
+              <a:t>docker run -d -e 'ACCEPT_EULA=Y' -e 'SA_PASSWORD=555331qQ!' -p 15433:1433 --network=example-</a:t>
+            </a:r>
+            <a:r>
+              <a:rPr lang="en-US" sz="1800" dirty="0" err="1"/>
+              <a:t>ntw</a:t>
+            </a:r>
+            <a:r>
+              <a:rPr lang="en-US" sz="1800" dirty="0"/>
+              <a:t> --name example-</a:t>
+            </a:r>
+            <a:r>
+              <a:rPr lang="en-US" sz="1800" dirty="0" err="1"/>
+              <a:t>sql</a:t>
+            </a:r>
+            <a:r>
+              <a:rPr lang="en-US" sz="1800" dirty="0"/>
+              <a:t> example-</a:t>
+            </a:r>
+            <a:r>
+              <a:rPr lang="en-US" sz="1800" dirty="0" err="1"/>
+              <a:t>sql</a:t>
+            </a:r>
+            <a:endParaRPr lang="en-US" sz="1800" dirty="0"/>
+          </a:p>
+        </p:txBody>
+      </p:sp>
+      <p:sp>
+        <p:nvSpPr>
+          <p:cNvPr id="20" name="Прямоугольник 19">
+            <a:extLst>
+              <a:ext uri="{FF2B5EF4-FFF2-40B4-BE49-F238E27FC236}">
+                <a16:creationId xmlns:a16="http://schemas.microsoft.com/office/drawing/2014/main" id="{E8DB6B33-A113-4870-8900-434B906D3553}"/>
+              </a:ext>
+            </a:extLst>
+          </p:cNvPr>
+          <p:cNvSpPr/>
+          <p:nvPr/>
+        </p:nvSpPr>
+        <p:spPr>
+          <a:xfrm>
+            <a:off x="1631950" y="292100"/>
+            <a:ext cx="5632450" cy="901700"/>
+          </a:xfrm>
+          <a:prstGeom prst="rect">
+            <a:avLst/>
+          </a:prstGeom>
+        </p:spPr>
+        <p:style>
+          <a:lnRef idx="1">
+            <a:schemeClr val="dk1"/>
+          </a:lnRef>
+          <a:fillRef idx="2">
+            <a:schemeClr val="dk1"/>
+          </a:fillRef>
+          <a:effectRef idx="1">
+            <a:schemeClr val="dk1"/>
+          </a:effectRef>
+          <a:fontRef idx="minor">
+            <a:schemeClr val="dk1"/>
+          </a:fontRef>
+        </p:style>
+        <p:txBody>
+          <a:bodyPr rtlCol="0" anchor="ctr"/>
+          <a:lstStyle/>
+          <a:p>
+            <a:pPr algn="ctr"/>
+            <a:r>
+              <a:rPr lang="en-US" sz="3600" b="1" dirty="0"/>
+              <a:t>run-rabbit-sql.ps1</a:t>
+            </a:r>
+          </a:p>
+        </p:txBody>
+      </p:sp>
     </p:spTree>
     <p:extLst>
       <p:ext uri="{BB962C8B-B14F-4D97-AF65-F5344CB8AC3E}">
-        <p14:creationId xmlns:p14="http://schemas.microsoft.com/office/powerpoint/2010/main" val="2940785827"/>
+        <p14:creationId xmlns:p14="http://schemas.microsoft.com/office/powerpoint/2010/main" val="3120022652"/>
       </p:ext>
     </p:extLst>
+  </p:cSld>
+  <p:clrMapOvr>
+    <a:masterClrMapping/>
+  </p:clrMapOvr>
+  <p:transition>
+    <p:fade thruBlk="1"/>
+  </p:transition>
+</p:sld>
+</file>
+
+<file path=ppt/slides/slide17.xml><?xml version="1.0" encoding="utf-8"?>
+<p:sld xmlns:a="http://schemas.openxmlformats.org/drawingml/2006/main" xmlns:r="http://schemas.openxmlformats.org/officeDocument/2006/relationships" xmlns:p="http://schemas.openxmlformats.org/presentationml/2006/main">
+  <p:cSld>
+    <p:spTree>
+      <p:nvGrpSpPr>
+        <p:cNvPr id="1" name="Shape 211"/>
+        <p:cNvGrpSpPr/>
+        <p:nvPr/>
+      </p:nvGrpSpPr>
+      <p:grpSpPr>
+        <a:xfrm>
+          <a:off x="0" y="0"/>
+          <a:ext cx="0" cy="0"/>
+          <a:chOff x="0" y="0"/>
+          <a:chExt cx="0" cy="0"/>
+        </a:xfrm>
+      </p:grpSpPr>
+      <p:sp>
+        <p:nvSpPr>
+          <p:cNvPr id="212" name="Google Shape;212;p13"/>
+          <p:cNvSpPr txBox="1">
+            <a:spLocks noGrp="1"/>
+          </p:cNvSpPr>
+          <p:nvPr>
+            <p:ph type="title"/>
+          </p:nvPr>
+        </p:nvSpPr>
+        <p:spPr>
+          <a:xfrm>
+            <a:off x="457200" y="-1"/>
+            <a:ext cx="8229600" cy="1063500"/>
+          </a:xfrm>
+          <a:prstGeom prst="rect">
+            <a:avLst/>
+          </a:prstGeom>
+        </p:spPr>
+        <p:txBody>
+          <a:bodyPr spcFirstLastPara="1" wrap="square" lIns="91425" tIns="91425" rIns="91425" bIns="91425" anchor="ctr" anchorCtr="0">
+            <a:noAutofit/>
+          </a:bodyPr>
+          <a:lstStyle/>
+          <a:p>
+            <a:pPr marL="0" lvl="0" indent="0" algn="ctr" rtl="0">
+              <a:spcBef>
+                <a:spcPts val="0"/>
+              </a:spcBef>
+              <a:spcAft>
+                <a:spcPts val="0"/>
+              </a:spcAft>
+              <a:buNone/>
+            </a:pPr>
+            <a:r>
+              <a:rPr lang="ru-RU" sz="4800" dirty="0"/>
+              <a:t>Запуск</a:t>
+            </a:r>
+            <a:r>
+              <a:rPr lang="en-US" sz="4800" dirty="0"/>
+              <a:t> </a:t>
+            </a:r>
+            <a:r>
+              <a:rPr lang="en-US" sz="4800" dirty="0" err="1"/>
+              <a:t>.net</a:t>
+            </a:r>
+            <a:r>
+              <a:rPr lang="en-US" sz="4800" dirty="0"/>
+              <a:t> core </a:t>
+            </a:r>
+            <a:r>
+              <a:rPr lang="ru-RU" sz="4800" dirty="0"/>
+              <a:t>сервиса </a:t>
+            </a:r>
+            <a:endParaRPr sz="4800" dirty="0"/>
+          </a:p>
+        </p:txBody>
+      </p:sp>
+      <p:sp>
+        <p:nvSpPr>
+          <p:cNvPr id="213" name="Google Shape;213;p13"/>
+          <p:cNvSpPr txBox="1">
+            <a:spLocks noGrp="1"/>
+          </p:cNvSpPr>
+          <p:nvPr>
+            <p:ph type="body" idx="2"/>
+          </p:nvPr>
+        </p:nvSpPr>
+        <p:spPr>
+          <a:xfrm>
+            <a:off x="58783" y="3014049"/>
+            <a:ext cx="1797293" cy="904260"/>
+          </a:xfrm>
+          <a:prstGeom prst="rect">
+            <a:avLst/>
+          </a:prstGeom>
+        </p:spPr>
+        <p:txBody>
+          <a:bodyPr spcFirstLastPara="1" wrap="square" lIns="91425" tIns="91425" rIns="91425" bIns="91425" anchor="t" anchorCtr="0">
+            <a:noAutofit/>
+          </a:bodyPr>
+          <a:lstStyle/>
+          <a:p>
+            <a:pPr marL="0" lvl="0" indent="0" algn="l" rtl="0">
+              <a:spcBef>
+                <a:spcPts val="600"/>
+              </a:spcBef>
+              <a:spcAft>
+                <a:spcPts val="0"/>
+              </a:spcAft>
+              <a:buClr>
+                <a:schemeClr val="dk1"/>
+              </a:buClr>
+              <a:buSzPts val="1100"/>
+              <a:buFont typeface="Arial"/>
+              <a:buNone/>
+            </a:pPr>
+            <a:endParaRPr sz="1200" dirty="0"/>
+          </a:p>
+          <a:p>
+            <a:pPr marL="0" lvl="0" indent="0" algn="l" rtl="0">
+              <a:spcBef>
+                <a:spcPts val="600"/>
+              </a:spcBef>
+              <a:spcAft>
+                <a:spcPts val="0"/>
+              </a:spcAft>
+              <a:buNone/>
+            </a:pPr>
+            <a:endParaRPr sz="1200" dirty="0"/>
+          </a:p>
+        </p:txBody>
+      </p:sp>
+      <p:sp>
+        <p:nvSpPr>
+          <p:cNvPr id="216" name="Google Shape;216;p13"/>
+          <p:cNvSpPr txBox="1">
+            <a:spLocks noGrp="1"/>
+          </p:cNvSpPr>
+          <p:nvPr>
+            <p:ph type="sldNum" idx="12"/>
+          </p:nvPr>
+        </p:nvSpPr>
+        <p:spPr>
+          <a:xfrm>
+            <a:off x="4297650" y="4749851"/>
+            <a:ext cx="548700" cy="393600"/>
+          </a:xfrm>
+          <a:prstGeom prst="rect">
+            <a:avLst/>
+          </a:prstGeom>
+        </p:spPr>
+        <p:txBody>
+          <a:bodyPr spcFirstLastPara="1" wrap="square" lIns="91425" tIns="91425" rIns="91425" bIns="91425" anchor="t" anchorCtr="0">
+            <a:noAutofit/>
+          </a:bodyPr>
+          <a:lstStyle/>
+          <a:p>
+            <a:pPr marL="0" lvl="0" indent="0" algn="ctr" rtl="0">
+              <a:spcBef>
+                <a:spcPts val="0"/>
+              </a:spcBef>
+              <a:spcAft>
+                <a:spcPts val="0"/>
+              </a:spcAft>
+              <a:buNone/>
+            </a:pPr>
+            <a:fld id="{00000000-1234-1234-1234-123412341234}" type="slidenum">
+              <a:rPr lang="en"/>
+              <a:t>17</a:t>
+            </a:fld>
+            <a:endParaRPr/>
+          </a:p>
+        </p:txBody>
+      </p:sp>
+      <p:sp>
+        <p:nvSpPr>
+          <p:cNvPr id="4" name="Прямоугольник 3">
+            <a:extLst>
+              <a:ext uri="{FF2B5EF4-FFF2-40B4-BE49-F238E27FC236}">
+                <a16:creationId xmlns:a16="http://schemas.microsoft.com/office/drawing/2014/main" id="{0C06601A-C77D-454F-AEFB-627ADCA49DD9}"/>
+              </a:ext>
+            </a:extLst>
+          </p:cNvPr>
+          <p:cNvSpPr/>
+          <p:nvPr/>
+        </p:nvSpPr>
+        <p:spPr>
+          <a:xfrm>
+            <a:off x="337059" y="1637502"/>
+            <a:ext cx="4234941" cy="461665"/>
+          </a:xfrm>
+          <a:prstGeom prst="rect">
+            <a:avLst/>
+          </a:prstGeom>
+        </p:spPr>
+        <p:txBody>
+          <a:bodyPr wrap="square">
+            <a:spAutoFit/>
+          </a:bodyPr>
+          <a:lstStyle/>
+          <a:p>
+            <a:br>
+              <a:rPr lang="ru-RU" sz="1200" dirty="0"/>
+            </a:br>
+            <a:endParaRPr lang="ru-RU" sz="1200" dirty="0"/>
+          </a:p>
+        </p:txBody>
+      </p:sp>
+      <p:sp>
+        <p:nvSpPr>
+          <p:cNvPr id="5" name="Прямоугольник 4">
+            <a:extLst>
+              <a:ext uri="{FF2B5EF4-FFF2-40B4-BE49-F238E27FC236}">
+                <a16:creationId xmlns:a16="http://schemas.microsoft.com/office/drawing/2014/main" id="{7F874C6F-0692-4B19-B5DA-EA2EB6F27A59}"/>
+              </a:ext>
+            </a:extLst>
+          </p:cNvPr>
+          <p:cNvSpPr/>
+          <p:nvPr/>
+        </p:nvSpPr>
+        <p:spPr>
+          <a:xfrm>
+            <a:off x="457199" y="1637502"/>
+            <a:ext cx="8349741" cy="1951496"/>
+          </a:xfrm>
+          <a:prstGeom prst="rect">
+            <a:avLst/>
+          </a:prstGeom>
+        </p:spPr>
+        <p:txBody>
+          <a:bodyPr wrap="square">
+            <a:spAutoFit/>
+          </a:bodyPr>
+          <a:lstStyle/>
+          <a:p>
+            <a:pPr lvl="1">
+              <a:lnSpc>
+                <a:spcPct val="150000"/>
+              </a:lnSpc>
+              <a:buClr>
+                <a:srgbClr val="92D050"/>
+              </a:buClr>
+            </a:pPr>
+            <a:r>
+              <a:rPr lang="en-US" sz="2800" dirty="0"/>
+              <a:t>docker container run -p 15008:15008 --network=example-</a:t>
+            </a:r>
+            <a:r>
+              <a:rPr lang="en-US" sz="2800" dirty="0" err="1"/>
+              <a:t>ntw</a:t>
+            </a:r>
+            <a:r>
+              <a:rPr lang="en-US" sz="2800" dirty="0"/>
+              <a:t> --name example-svc </a:t>
+            </a:r>
+            <a:r>
+              <a:rPr lang="en-US" sz="2800" dirty="0" err="1"/>
+              <a:t>example-svc</a:t>
+            </a:r>
+            <a:endParaRPr lang="en-US" sz="2800" dirty="0"/>
+          </a:p>
+        </p:txBody>
+      </p:sp>
+    </p:spTree>
+    <p:extLst>
+      <p:ext uri="{BB962C8B-B14F-4D97-AF65-F5344CB8AC3E}">
+        <p14:creationId xmlns:p14="http://schemas.microsoft.com/office/powerpoint/2010/main" val="223557691"/>
+      </p:ext>
+    </p:extLst>
+  </p:cSld>
+  <p:clrMapOvr>
+    <a:masterClrMapping/>
+  </p:clrMapOvr>
+</p:sld>
+</file>
+
+<file path=ppt/slides/slide18.xml><?xml version="1.0" encoding="utf-8"?>
+<p:sld xmlns:a="http://schemas.openxmlformats.org/drawingml/2006/main" xmlns:r="http://schemas.openxmlformats.org/officeDocument/2006/relationships" xmlns:p="http://schemas.openxmlformats.org/presentationml/2006/main">
+  <p:cSld>
+    <p:spTree>
+      <p:nvGrpSpPr>
+        <p:cNvPr id="1" name="Shape 211"/>
+        <p:cNvGrpSpPr/>
+        <p:nvPr/>
+      </p:nvGrpSpPr>
+      <p:grpSpPr>
+        <a:xfrm>
+          <a:off x="0" y="0"/>
+          <a:ext cx="0" cy="0"/>
+          <a:chOff x="0" y="0"/>
+          <a:chExt cx="0" cy="0"/>
+        </a:xfrm>
+      </p:grpSpPr>
+      <p:sp>
+        <p:nvSpPr>
+          <p:cNvPr id="212" name="Google Shape;212;p13"/>
+          <p:cNvSpPr txBox="1">
+            <a:spLocks noGrp="1"/>
+          </p:cNvSpPr>
+          <p:nvPr>
+            <p:ph type="title"/>
+          </p:nvPr>
+        </p:nvSpPr>
+        <p:spPr>
+          <a:xfrm>
+            <a:off x="457200" y="-1"/>
+            <a:ext cx="8229600" cy="1063500"/>
+          </a:xfrm>
+          <a:prstGeom prst="rect">
+            <a:avLst/>
+          </a:prstGeom>
+        </p:spPr>
+        <p:txBody>
+          <a:bodyPr spcFirstLastPara="1" wrap="square" lIns="91425" tIns="91425" rIns="91425" bIns="91425" anchor="ctr" anchorCtr="0">
+            <a:noAutofit/>
+          </a:bodyPr>
+          <a:lstStyle/>
+          <a:p>
+            <a:pPr marL="0" lvl="0" indent="0" algn="ctr" rtl="0">
+              <a:spcBef>
+                <a:spcPts val="0"/>
+              </a:spcBef>
+              <a:spcAft>
+                <a:spcPts val="0"/>
+              </a:spcAft>
+              <a:buNone/>
+            </a:pPr>
+            <a:r>
+              <a:rPr lang="ru-RU" sz="4800" dirty="0"/>
+              <a:t>Запуск</a:t>
+            </a:r>
+            <a:r>
+              <a:rPr lang="en-US" sz="4800" dirty="0"/>
+              <a:t> python </a:t>
+            </a:r>
+            <a:r>
+              <a:rPr lang="ru-RU" sz="4800" dirty="0"/>
+              <a:t>сервиса </a:t>
+            </a:r>
+            <a:endParaRPr sz="4800" dirty="0"/>
+          </a:p>
+        </p:txBody>
+      </p:sp>
+      <p:sp>
+        <p:nvSpPr>
+          <p:cNvPr id="213" name="Google Shape;213;p13"/>
+          <p:cNvSpPr txBox="1">
+            <a:spLocks noGrp="1"/>
+          </p:cNvSpPr>
+          <p:nvPr>
+            <p:ph type="body" idx="2"/>
+          </p:nvPr>
+        </p:nvSpPr>
+        <p:spPr>
+          <a:xfrm>
+            <a:off x="58783" y="3014049"/>
+            <a:ext cx="1797293" cy="904260"/>
+          </a:xfrm>
+          <a:prstGeom prst="rect">
+            <a:avLst/>
+          </a:prstGeom>
+        </p:spPr>
+        <p:txBody>
+          <a:bodyPr spcFirstLastPara="1" wrap="square" lIns="91425" tIns="91425" rIns="91425" bIns="91425" anchor="t" anchorCtr="0">
+            <a:noAutofit/>
+          </a:bodyPr>
+          <a:lstStyle/>
+          <a:p>
+            <a:pPr marL="0" lvl="0" indent="0" algn="l" rtl="0">
+              <a:spcBef>
+                <a:spcPts val="600"/>
+              </a:spcBef>
+              <a:spcAft>
+                <a:spcPts val="0"/>
+              </a:spcAft>
+              <a:buClr>
+                <a:schemeClr val="dk1"/>
+              </a:buClr>
+              <a:buSzPts val="1100"/>
+              <a:buFont typeface="Arial"/>
+              <a:buNone/>
+            </a:pPr>
+            <a:endParaRPr sz="1200" dirty="0"/>
+          </a:p>
+          <a:p>
+            <a:pPr marL="0" lvl="0" indent="0" algn="l" rtl="0">
+              <a:spcBef>
+                <a:spcPts val="600"/>
+              </a:spcBef>
+              <a:spcAft>
+                <a:spcPts val="0"/>
+              </a:spcAft>
+              <a:buNone/>
+            </a:pPr>
+            <a:endParaRPr sz="1200" dirty="0"/>
+          </a:p>
+        </p:txBody>
+      </p:sp>
+      <p:sp>
+        <p:nvSpPr>
+          <p:cNvPr id="216" name="Google Shape;216;p13"/>
+          <p:cNvSpPr txBox="1">
+            <a:spLocks noGrp="1"/>
+          </p:cNvSpPr>
+          <p:nvPr>
+            <p:ph type="sldNum" idx="12"/>
+          </p:nvPr>
+        </p:nvSpPr>
+        <p:spPr>
+          <a:xfrm>
+            <a:off x="4297650" y="4749851"/>
+            <a:ext cx="548700" cy="393600"/>
+          </a:xfrm>
+          <a:prstGeom prst="rect">
+            <a:avLst/>
+          </a:prstGeom>
+        </p:spPr>
+        <p:txBody>
+          <a:bodyPr spcFirstLastPara="1" wrap="square" lIns="91425" tIns="91425" rIns="91425" bIns="91425" anchor="t" anchorCtr="0">
+            <a:noAutofit/>
+          </a:bodyPr>
+          <a:lstStyle/>
+          <a:p>
+            <a:pPr marL="0" lvl="0" indent="0" algn="ctr" rtl="0">
+              <a:spcBef>
+                <a:spcPts val="0"/>
+              </a:spcBef>
+              <a:spcAft>
+                <a:spcPts val="0"/>
+              </a:spcAft>
+              <a:buNone/>
+            </a:pPr>
+            <a:fld id="{00000000-1234-1234-1234-123412341234}" type="slidenum">
+              <a:rPr lang="en"/>
+              <a:t>18</a:t>
+            </a:fld>
+            <a:endParaRPr/>
+          </a:p>
+        </p:txBody>
+      </p:sp>
+      <p:sp>
+        <p:nvSpPr>
+          <p:cNvPr id="4" name="Прямоугольник 3">
+            <a:extLst>
+              <a:ext uri="{FF2B5EF4-FFF2-40B4-BE49-F238E27FC236}">
+                <a16:creationId xmlns:a16="http://schemas.microsoft.com/office/drawing/2014/main" id="{0C06601A-C77D-454F-AEFB-627ADCA49DD9}"/>
+              </a:ext>
+            </a:extLst>
+          </p:cNvPr>
+          <p:cNvSpPr/>
+          <p:nvPr/>
+        </p:nvSpPr>
+        <p:spPr>
+          <a:xfrm>
+            <a:off x="337059" y="1637502"/>
+            <a:ext cx="4234941" cy="461665"/>
+          </a:xfrm>
+          <a:prstGeom prst="rect">
+            <a:avLst/>
+          </a:prstGeom>
+        </p:spPr>
+        <p:txBody>
+          <a:bodyPr wrap="square">
+            <a:spAutoFit/>
+          </a:bodyPr>
+          <a:lstStyle/>
+          <a:p>
+            <a:br>
+              <a:rPr lang="ru-RU" sz="1200" dirty="0"/>
+            </a:br>
+            <a:endParaRPr lang="ru-RU" sz="1200" dirty="0"/>
+          </a:p>
+        </p:txBody>
+      </p:sp>
+      <p:sp>
+        <p:nvSpPr>
+          <p:cNvPr id="5" name="Прямоугольник 4">
+            <a:extLst>
+              <a:ext uri="{FF2B5EF4-FFF2-40B4-BE49-F238E27FC236}">
+                <a16:creationId xmlns:a16="http://schemas.microsoft.com/office/drawing/2014/main" id="{7F874C6F-0692-4B19-B5DA-EA2EB6F27A59}"/>
+              </a:ext>
+            </a:extLst>
+          </p:cNvPr>
+          <p:cNvSpPr/>
+          <p:nvPr/>
+        </p:nvSpPr>
+        <p:spPr>
+          <a:xfrm>
+            <a:off x="457200" y="2020587"/>
+            <a:ext cx="8349741" cy="1305165"/>
+          </a:xfrm>
+          <a:prstGeom prst="rect">
+            <a:avLst/>
+          </a:prstGeom>
+        </p:spPr>
+        <p:txBody>
+          <a:bodyPr wrap="square">
+            <a:spAutoFit/>
+          </a:bodyPr>
+          <a:lstStyle/>
+          <a:p>
+            <a:pPr lvl="1">
+              <a:lnSpc>
+                <a:spcPct val="150000"/>
+              </a:lnSpc>
+              <a:buClr>
+                <a:srgbClr val="92D050"/>
+              </a:buClr>
+            </a:pPr>
+            <a:r>
+              <a:rPr lang="en-US" sz="2800" dirty="0"/>
+              <a:t>docker run –d -p 15000:5000 --network=example-</a:t>
+            </a:r>
+            <a:r>
+              <a:rPr lang="en-US" sz="2800" dirty="0" err="1"/>
+              <a:t>ntw</a:t>
+            </a:r>
+            <a:r>
+              <a:rPr lang="en-US" sz="2800" dirty="0"/>
+              <a:t> --name example-</a:t>
+            </a:r>
+            <a:r>
+              <a:rPr lang="en-US" sz="2800" dirty="0" err="1"/>
+              <a:t>pyapi</a:t>
+            </a:r>
+            <a:r>
+              <a:rPr lang="en-US" sz="2800" dirty="0"/>
+              <a:t> example-</a:t>
+            </a:r>
+            <a:r>
+              <a:rPr lang="en-US" sz="2800" dirty="0" err="1"/>
+              <a:t>pyapi</a:t>
+            </a:r>
+            <a:endParaRPr lang="en-US" sz="2800" dirty="0"/>
+          </a:p>
+        </p:txBody>
+      </p:sp>
+    </p:spTree>
+    <p:extLst>
+      <p:ext uri="{BB962C8B-B14F-4D97-AF65-F5344CB8AC3E}">
+        <p14:creationId xmlns:p14="http://schemas.microsoft.com/office/powerpoint/2010/main" val="344587368"/>
+      </p:ext>
+    </p:extLst>
+  </p:cSld>
+  <p:clrMapOvr>
+    <a:masterClrMapping/>
+  </p:clrMapOvr>
+</p:sld>
+</file>
+
+<file path=ppt/slides/slide19.xml><?xml version="1.0" encoding="utf-8"?>
+<p:sld xmlns:a="http://schemas.openxmlformats.org/drawingml/2006/main" xmlns:r="http://schemas.openxmlformats.org/officeDocument/2006/relationships" xmlns:p="http://schemas.openxmlformats.org/presentationml/2006/main">
+  <p:cSld>
+    <p:spTree>
+      <p:nvGrpSpPr>
+        <p:cNvPr id="1" name="Shape 235"/>
+        <p:cNvGrpSpPr/>
+        <p:nvPr/>
+      </p:nvGrpSpPr>
+      <p:grpSpPr>
+        <a:xfrm>
+          <a:off x="0" y="0"/>
+          <a:ext cx="0" cy="0"/>
+          <a:chOff x="0" y="0"/>
+          <a:chExt cx="0" cy="0"/>
+        </a:xfrm>
+      </p:grpSpPr>
+      <p:sp>
+        <p:nvSpPr>
+          <p:cNvPr id="237" name="Google Shape;237;p16"/>
+          <p:cNvSpPr txBox="1">
+            <a:spLocks noGrp="1"/>
+          </p:cNvSpPr>
+          <p:nvPr>
+            <p:ph type="sldNum" idx="12"/>
+          </p:nvPr>
+        </p:nvSpPr>
+        <p:spPr>
+          <a:xfrm>
+            <a:off x="4183350" y="4508551"/>
+            <a:ext cx="548700" cy="393600"/>
+          </a:xfrm>
+          <a:prstGeom prst="rect">
+            <a:avLst/>
+          </a:prstGeom>
+        </p:spPr>
+        <p:txBody>
+          <a:bodyPr spcFirstLastPara="1" wrap="square" lIns="91425" tIns="91425" rIns="91425" bIns="91425" anchor="t" anchorCtr="0">
+            <a:noAutofit/>
+          </a:bodyPr>
+          <a:lstStyle/>
+          <a:p>
+            <a:pPr marL="0" lvl="0" indent="0" algn="ctr" rtl="0">
+              <a:spcBef>
+                <a:spcPts val="0"/>
+              </a:spcBef>
+              <a:spcAft>
+                <a:spcPts val="0"/>
+              </a:spcAft>
+              <a:buNone/>
+            </a:pPr>
+            <a:fld id="{00000000-1234-1234-1234-123412341234}" type="slidenum">
+              <a:rPr lang="en"/>
+              <a:t>19</a:t>
+            </a:fld>
+            <a:endParaRPr/>
+          </a:p>
+        </p:txBody>
+      </p:sp>
+      <p:grpSp>
+        <p:nvGrpSpPr>
+          <p:cNvPr id="22" name="Группа 21">
+            <a:extLst>
+              <a:ext uri="{FF2B5EF4-FFF2-40B4-BE49-F238E27FC236}">
+                <a16:creationId xmlns:a16="http://schemas.microsoft.com/office/drawing/2014/main" id="{AA6B9C51-1C15-467C-BF42-AF5F48B84B25}"/>
+              </a:ext>
+            </a:extLst>
+          </p:cNvPr>
+          <p:cNvGrpSpPr/>
+          <p:nvPr/>
+        </p:nvGrpSpPr>
+        <p:grpSpPr>
+          <a:xfrm>
+            <a:off x="6380720" y="335401"/>
+            <a:ext cx="1159181" cy="3990097"/>
+            <a:chOff x="6434042" y="173181"/>
+            <a:chExt cx="1159181" cy="3990097"/>
+          </a:xfrm>
+        </p:grpSpPr>
+        <p:sp>
+          <p:nvSpPr>
+            <p:cNvPr id="23" name="Прямоугольник 22">
+              <a:extLst>
+                <a:ext uri="{FF2B5EF4-FFF2-40B4-BE49-F238E27FC236}">
+                  <a16:creationId xmlns:a16="http://schemas.microsoft.com/office/drawing/2014/main" id="{29C6A5AC-4544-4C62-A2DE-8346996ED7BB}"/>
+                </a:ext>
+              </a:extLst>
+            </p:cNvPr>
+            <p:cNvSpPr/>
+            <p:nvPr/>
+          </p:nvSpPr>
+          <p:spPr>
+            <a:xfrm>
+              <a:off x="6434042" y="173181"/>
+              <a:ext cx="1159181" cy="3990097"/>
+            </a:xfrm>
+            <a:prstGeom prst="rect">
+              <a:avLst/>
+            </a:prstGeom>
+            <a:solidFill>
+              <a:schemeClr val="accent1">
+                <a:lumMod val="20000"/>
+                <a:lumOff val="80000"/>
+              </a:schemeClr>
+            </a:solidFill>
+            <a:ln w="9525" cap="flat" cmpd="sng" algn="ctr">
+              <a:solidFill>
+                <a:schemeClr val="accent1"/>
+              </a:solidFill>
+              <a:prstDash val="solid"/>
+              <a:round/>
+              <a:headEnd type="none" w="med" len="med"/>
+              <a:tailEnd type="none" w="med" len="med"/>
+            </a:ln>
+          </p:spPr>
+          <p:style>
+            <a:lnRef idx="0">
+              <a:scrgbClr r="0" g="0" b="0"/>
+            </a:lnRef>
+            <a:fillRef idx="0">
+              <a:scrgbClr r="0" g="0" b="0"/>
+            </a:fillRef>
+            <a:effectRef idx="0">
+              <a:scrgbClr r="0" g="0" b="0"/>
+            </a:effectRef>
+            <a:fontRef idx="minor">
+              <a:schemeClr val="accent1"/>
+            </a:fontRef>
+          </p:style>
+          <p:txBody>
+            <a:bodyPr rtlCol="0" anchor="ctr"/>
+            <a:lstStyle/>
+            <a:p>
+              <a:pPr algn="ctr"/>
+              <a:endParaRPr lang="ru-RU"/>
+            </a:p>
+          </p:txBody>
+        </p:sp>
+        <p:pic>
+          <p:nvPicPr>
+            <p:cNvPr id="24" name="Рисунок 23">
+              <a:extLst>
+                <a:ext uri="{FF2B5EF4-FFF2-40B4-BE49-F238E27FC236}">
+                  <a16:creationId xmlns:a16="http://schemas.microsoft.com/office/drawing/2014/main" id="{9714ACAF-EC48-486C-88E7-C98BB199D44A}"/>
+                </a:ext>
+              </a:extLst>
+            </p:cNvPr>
+            <p:cNvPicPr>
+              <a:picLocks noChangeAspect="1"/>
+            </p:cNvPicPr>
+            <p:nvPr/>
+          </p:nvPicPr>
+          <p:blipFill>
+            <a:blip r:embed="rId3">
+              <a:extLst>
+                <a:ext uri="{837473B0-CC2E-450A-ABE3-18F120FF3D39}">
+                  <a1611:picAttrSrcUrl xmlns:a1611="http://schemas.microsoft.com/office/drawing/2016/11/main" r:id="rId4"/>
+                </a:ext>
+              </a:extLst>
+            </a:blip>
+            <a:stretch>
+              <a:fillRect/>
+            </a:stretch>
+          </p:blipFill>
+          <p:spPr>
+            <a:xfrm>
+              <a:off x="6595483" y="2091288"/>
+              <a:ext cx="780290" cy="780290"/>
+            </a:xfrm>
+            <a:prstGeom prst="rect">
+              <a:avLst/>
+            </a:prstGeom>
+          </p:spPr>
+        </p:pic>
+        <p:pic>
+          <p:nvPicPr>
+            <p:cNvPr id="25" name="Рисунок 24">
+              <a:extLst>
+                <a:ext uri="{FF2B5EF4-FFF2-40B4-BE49-F238E27FC236}">
+                  <a16:creationId xmlns:a16="http://schemas.microsoft.com/office/drawing/2014/main" id="{0CA34CCB-44F9-4CF6-BCB2-EDF38563FC16}"/>
+                </a:ext>
+              </a:extLst>
+            </p:cNvPr>
+            <p:cNvPicPr>
+              <a:picLocks noChangeAspect="1"/>
+            </p:cNvPicPr>
+            <p:nvPr/>
+          </p:nvPicPr>
+          <p:blipFill>
+            <a:blip r:embed="rId5">
+              <a:extLst>
+                <a:ext uri="{837473B0-CC2E-450A-ABE3-18F120FF3D39}">
+                  <a1611:picAttrSrcUrl xmlns:a1611="http://schemas.microsoft.com/office/drawing/2016/11/main" r:id="rId6"/>
+                </a:ext>
+              </a:extLst>
+            </a:blip>
+            <a:stretch>
+              <a:fillRect/>
+            </a:stretch>
+          </p:blipFill>
+          <p:spPr>
+            <a:xfrm>
+              <a:off x="6573853" y="3205918"/>
+              <a:ext cx="780290" cy="780290"/>
+            </a:xfrm>
+            <a:prstGeom prst="rect">
+              <a:avLst/>
+            </a:prstGeom>
+          </p:spPr>
+        </p:pic>
+        <p:pic>
+          <p:nvPicPr>
+            <p:cNvPr id="26" name="Рисунок 25">
+              <a:extLst>
+                <a:ext uri="{FF2B5EF4-FFF2-40B4-BE49-F238E27FC236}">
+                  <a16:creationId xmlns:a16="http://schemas.microsoft.com/office/drawing/2014/main" id="{CC3D8BE6-55D3-49FA-B633-34CB84B6CA51}"/>
+                </a:ext>
+              </a:extLst>
+            </p:cNvPr>
+            <p:cNvPicPr>
+              <a:picLocks noChangeAspect="1"/>
+            </p:cNvPicPr>
+            <p:nvPr/>
+          </p:nvPicPr>
+          <p:blipFill>
+            <a:blip r:embed="rId7">
+              <a:extLst>
+                <a:ext uri="{837473B0-CC2E-450A-ABE3-18F120FF3D39}">
+                  <a1611:picAttrSrcUrl xmlns:a1611="http://schemas.microsoft.com/office/drawing/2016/11/main" r:id="rId8"/>
+                </a:ext>
+              </a:extLst>
+            </a:blip>
+            <a:stretch>
+              <a:fillRect/>
+            </a:stretch>
+          </p:blipFill>
+          <p:spPr>
+            <a:xfrm>
+              <a:off x="6595483" y="1049425"/>
+              <a:ext cx="780290" cy="780290"/>
+            </a:xfrm>
+            <a:prstGeom prst="rect">
+              <a:avLst/>
+            </a:prstGeom>
+          </p:spPr>
+        </p:pic>
+        <p:cxnSp>
+          <p:nvCxnSpPr>
+            <p:cNvPr id="27" name="Прямая со стрелкой 26">
+              <a:extLst>
+                <a:ext uri="{FF2B5EF4-FFF2-40B4-BE49-F238E27FC236}">
+                  <a16:creationId xmlns:a16="http://schemas.microsoft.com/office/drawing/2014/main" id="{D720BF64-3513-4F19-866F-A8B9918C6F60}"/>
+                </a:ext>
+              </a:extLst>
+            </p:cNvPr>
+            <p:cNvCxnSpPr>
+              <a:cxnSpLocks/>
+            </p:cNvCxnSpPr>
+            <p:nvPr/>
+          </p:nvCxnSpPr>
+          <p:spPr>
+            <a:xfrm rot="5400000" flipH="1">
+              <a:off x="6825693" y="3008893"/>
+              <a:ext cx="339436" cy="0"/>
+            </a:xfrm>
+            <a:prstGeom prst="straightConnector1">
+              <a:avLst/>
+            </a:prstGeom>
+            <a:ln>
+              <a:tailEnd type="triangle"/>
+            </a:ln>
+          </p:spPr>
+          <p:style>
+            <a:lnRef idx="2">
+              <a:schemeClr val="accent1"/>
+            </a:lnRef>
+            <a:fillRef idx="0">
+              <a:schemeClr val="accent1"/>
+            </a:fillRef>
+            <a:effectRef idx="1">
+              <a:schemeClr val="accent1"/>
+            </a:effectRef>
+            <a:fontRef idx="minor">
+              <a:schemeClr val="tx1"/>
+            </a:fontRef>
+          </p:style>
+        </p:cxnSp>
+        <p:cxnSp>
+          <p:nvCxnSpPr>
+            <p:cNvPr id="28" name="Прямая со стрелкой 27">
+              <a:extLst>
+                <a:ext uri="{FF2B5EF4-FFF2-40B4-BE49-F238E27FC236}">
+                  <a16:creationId xmlns:a16="http://schemas.microsoft.com/office/drawing/2014/main" id="{574D1FA2-EFBF-4479-8D30-A8C59FE510BE}"/>
+                </a:ext>
+              </a:extLst>
+            </p:cNvPr>
+            <p:cNvCxnSpPr>
+              <a:cxnSpLocks/>
+            </p:cNvCxnSpPr>
+            <p:nvPr/>
+          </p:nvCxnSpPr>
+          <p:spPr>
+            <a:xfrm rot="5400000">
+              <a:off x="6805034" y="2026065"/>
+              <a:ext cx="346364" cy="0"/>
+            </a:xfrm>
+            <a:prstGeom prst="straightConnector1">
+              <a:avLst/>
+            </a:prstGeom>
+            <a:ln>
+              <a:tailEnd type="triangle"/>
+            </a:ln>
+          </p:spPr>
+          <p:style>
+            <a:lnRef idx="2">
+              <a:schemeClr val="accent1"/>
+            </a:lnRef>
+            <a:fillRef idx="0">
+              <a:schemeClr val="accent1"/>
+            </a:fillRef>
+            <a:effectRef idx="1">
+              <a:schemeClr val="accent1"/>
+            </a:effectRef>
+            <a:fontRef idx="minor">
+              <a:schemeClr val="tx1"/>
+            </a:fontRef>
+          </p:style>
+        </p:cxnSp>
+        <p:sp>
+          <p:nvSpPr>
+            <p:cNvPr id="29" name="Прямоугольник 28">
+              <a:extLst>
+                <a:ext uri="{FF2B5EF4-FFF2-40B4-BE49-F238E27FC236}">
+                  <a16:creationId xmlns:a16="http://schemas.microsoft.com/office/drawing/2014/main" id="{0F37A8B7-8A7D-41B1-A5F4-D34F4997638F}"/>
+                </a:ext>
+              </a:extLst>
+            </p:cNvPr>
+            <p:cNvSpPr/>
+            <p:nvPr/>
+          </p:nvSpPr>
+          <p:spPr>
+            <a:xfrm>
+              <a:off x="6490025" y="221158"/>
+              <a:ext cx="1054671" cy="780290"/>
+            </a:xfrm>
+            <a:prstGeom prst="rect">
+              <a:avLst/>
+            </a:prstGeom>
+          </p:spPr>
+          <p:style>
+            <a:lnRef idx="1">
+              <a:schemeClr val="accent3"/>
+            </a:lnRef>
+            <a:fillRef idx="3">
+              <a:schemeClr val="accent3"/>
+            </a:fillRef>
+            <a:effectRef idx="2">
+              <a:schemeClr val="accent3"/>
+            </a:effectRef>
+            <a:fontRef idx="minor">
+              <a:schemeClr val="lt1"/>
+            </a:fontRef>
+          </p:style>
+          <p:txBody>
+            <a:bodyPr rtlCol="0" anchor="ctr"/>
+            <a:lstStyle/>
+            <a:p>
+              <a:pPr algn="ctr"/>
+              <a:r>
+                <a:rPr lang="en-US" dirty="0">
+                  <a:ln w="0">
+                    <a:solidFill>
+                      <a:schemeClr val="accent4">
+                        <a:lumMod val="75000"/>
+                      </a:schemeClr>
+                    </a:solidFill>
+                  </a:ln>
+                  <a:solidFill>
+                    <a:schemeClr val="accent1"/>
+                  </a:solidFill>
+                  <a:effectLst>
+                    <a:outerShdw blurRad="38100" dist="25400" dir="5400000" algn="ctr" rotWithShape="0">
+                      <a:srgbClr val="6E747A">
+                        <a:alpha val="43000"/>
+                      </a:srgbClr>
+                    </a:outerShdw>
+                  </a:effectLst>
+                </a:rPr>
+                <a:t>.NET Core Service</a:t>
+              </a:r>
+              <a:endParaRPr lang="ru-RU" dirty="0">
+                <a:ln w="0">
+                  <a:solidFill>
+                    <a:schemeClr val="accent4">
+                      <a:lumMod val="75000"/>
+                    </a:schemeClr>
+                  </a:solidFill>
+                </a:ln>
+                <a:solidFill>
+                  <a:schemeClr val="accent1"/>
+                </a:solidFill>
+                <a:effectLst>
+                  <a:outerShdw blurRad="38100" dist="25400" dir="5400000" algn="ctr" rotWithShape="0">
+                    <a:srgbClr val="6E747A">
+                      <a:alpha val="43000"/>
+                    </a:srgbClr>
+                  </a:outerShdw>
+                </a:effectLst>
+              </a:endParaRPr>
+            </a:p>
+          </p:txBody>
+        </p:sp>
+      </p:grpSp>
+      <p:grpSp>
+        <p:nvGrpSpPr>
+          <p:cNvPr id="30" name="Группа 29">
+            <a:extLst>
+              <a:ext uri="{FF2B5EF4-FFF2-40B4-BE49-F238E27FC236}">
+                <a16:creationId xmlns:a16="http://schemas.microsoft.com/office/drawing/2014/main" id="{C598B6B6-6A6A-4E74-AAB5-DEA51A054CBD}"/>
+              </a:ext>
+            </a:extLst>
+          </p:cNvPr>
+          <p:cNvGrpSpPr/>
+          <p:nvPr/>
+        </p:nvGrpSpPr>
+        <p:grpSpPr>
+          <a:xfrm>
+            <a:off x="110316" y="1991935"/>
+            <a:ext cx="1334551" cy="2172100"/>
+            <a:chOff x="163638" y="1829715"/>
+            <a:chExt cx="1334551" cy="2172100"/>
+          </a:xfrm>
+        </p:grpSpPr>
+        <p:sp>
+          <p:nvSpPr>
+            <p:cNvPr id="31" name="Прямоугольник 30">
+              <a:extLst>
+                <a:ext uri="{FF2B5EF4-FFF2-40B4-BE49-F238E27FC236}">
+                  <a16:creationId xmlns:a16="http://schemas.microsoft.com/office/drawing/2014/main" id="{620C3D24-653D-42F3-9993-14B2BFBA17BE}"/>
+                </a:ext>
+              </a:extLst>
+            </p:cNvPr>
+            <p:cNvSpPr/>
+            <p:nvPr/>
+          </p:nvSpPr>
+          <p:spPr>
+            <a:xfrm>
+              <a:off x="163638" y="1829715"/>
+              <a:ext cx="1334551" cy="2172100"/>
+            </a:xfrm>
+            <a:prstGeom prst="rect">
+              <a:avLst/>
+            </a:prstGeom>
+            <a:solidFill>
+              <a:schemeClr val="accent1">
+                <a:lumMod val="20000"/>
+                <a:lumOff val="80000"/>
+              </a:schemeClr>
+            </a:solidFill>
+            <a:ln w="9525" cap="flat" cmpd="sng" algn="ctr">
+              <a:solidFill>
+                <a:schemeClr val="accent1"/>
+              </a:solidFill>
+              <a:prstDash val="solid"/>
+              <a:round/>
+              <a:headEnd type="none" w="med" len="med"/>
+              <a:tailEnd type="none" w="med" len="med"/>
+            </a:ln>
+          </p:spPr>
+          <p:style>
+            <a:lnRef idx="0">
+              <a:scrgbClr r="0" g="0" b="0"/>
+            </a:lnRef>
+            <a:fillRef idx="0">
+              <a:scrgbClr r="0" g="0" b="0"/>
+            </a:fillRef>
+            <a:effectRef idx="0">
+              <a:scrgbClr r="0" g="0" b="0"/>
+            </a:effectRef>
+            <a:fontRef idx="minor">
+              <a:schemeClr val="accent1"/>
+            </a:fontRef>
+          </p:style>
+          <p:txBody>
+            <a:bodyPr rtlCol="0" anchor="ctr"/>
+            <a:lstStyle/>
+            <a:p>
+              <a:pPr algn="ctr"/>
+              <a:endParaRPr lang="ru-RU"/>
+            </a:p>
+          </p:txBody>
+        </p:sp>
+        <p:sp>
+          <p:nvSpPr>
+            <p:cNvPr id="32" name="Прямоугольник 31">
+              <a:extLst>
+                <a:ext uri="{FF2B5EF4-FFF2-40B4-BE49-F238E27FC236}">
+                  <a16:creationId xmlns:a16="http://schemas.microsoft.com/office/drawing/2014/main" id="{762BAE8B-84D2-43E7-9080-69C4E5926D11}"/>
+                </a:ext>
+              </a:extLst>
+            </p:cNvPr>
+            <p:cNvSpPr/>
+            <p:nvPr/>
+          </p:nvSpPr>
+          <p:spPr>
+            <a:xfrm>
+              <a:off x="304868" y="1988472"/>
+              <a:ext cx="1054671" cy="780290"/>
+            </a:xfrm>
+            <a:prstGeom prst="rect">
+              <a:avLst/>
+            </a:prstGeom>
+          </p:spPr>
+          <p:style>
+            <a:lnRef idx="1">
+              <a:schemeClr val="accent3"/>
+            </a:lnRef>
+            <a:fillRef idx="3">
+              <a:schemeClr val="accent3"/>
+            </a:fillRef>
+            <a:effectRef idx="2">
+              <a:schemeClr val="accent3"/>
+            </a:effectRef>
+            <a:fontRef idx="minor">
+              <a:schemeClr val="lt1"/>
+            </a:fontRef>
+          </p:style>
+          <p:txBody>
+            <a:bodyPr rtlCol="0" anchor="ctr"/>
+            <a:lstStyle/>
+            <a:p>
+              <a:pPr algn="ctr"/>
+              <a:r>
+                <a:rPr lang="en-US" dirty="0">
+                  <a:ln w="0">
+                    <a:solidFill>
+                      <a:schemeClr val="accent4">
+                        <a:lumMod val="75000"/>
+                      </a:schemeClr>
+                    </a:solidFill>
+                  </a:ln>
+                  <a:solidFill>
+                    <a:schemeClr val="accent1"/>
+                  </a:solidFill>
+                  <a:effectLst>
+                    <a:outerShdw blurRad="38100" dist="25400" dir="5400000" algn="ctr" rotWithShape="0">
+                      <a:srgbClr val="6E747A">
+                        <a:alpha val="43000"/>
+                      </a:srgbClr>
+                    </a:outerShdw>
+                  </a:effectLst>
+                </a:rPr>
+                <a:t>Python</a:t>
+              </a:r>
+            </a:p>
+            <a:p>
+              <a:pPr algn="ctr"/>
+              <a:r>
+                <a:rPr lang="en-US" dirty="0">
+                  <a:ln w="0">
+                    <a:solidFill>
+                      <a:schemeClr val="accent4">
+                        <a:lumMod val="75000"/>
+                      </a:schemeClr>
+                    </a:solidFill>
+                  </a:ln>
+                  <a:solidFill>
+                    <a:schemeClr val="accent1"/>
+                  </a:solidFill>
+                  <a:effectLst>
+                    <a:outerShdw blurRad="38100" dist="25400" dir="5400000" algn="ctr" rotWithShape="0">
+                      <a:srgbClr val="6E747A">
+                        <a:alpha val="43000"/>
+                      </a:srgbClr>
+                    </a:outerShdw>
+                  </a:effectLst>
+                </a:rPr>
+                <a:t>Public Endpoint</a:t>
+              </a:r>
+              <a:endParaRPr lang="ru-RU" dirty="0">
+                <a:ln w="0">
+                  <a:solidFill>
+                    <a:schemeClr val="accent4">
+                      <a:lumMod val="75000"/>
+                    </a:schemeClr>
+                  </a:solidFill>
+                </a:ln>
+                <a:solidFill>
+                  <a:schemeClr val="accent1"/>
+                </a:solidFill>
+                <a:effectLst>
+                  <a:outerShdw blurRad="38100" dist="25400" dir="5400000" algn="ctr" rotWithShape="0">
+                    <a:srgbClr val="6E747A">
+                      <a:alpha val="43000"/>
+                    </a:srgbClr>
+                  </a:outerShdw>
+                </a:effectLst>
+              </a:endParaRPr>
+            </a:p>
+          </p:txBody>
+        </p:sp>
+        <p:pic>
+          <p:nvPicPr>
+            <p:cNvPr id="33" name="Рисунок 32">
+              <a:extLst>
+                <a:ext uri="{FF2B5EF4-FFF2-40B4-BE49-F238E27FC236}">
+                  <a16:creationId xmlns:a16="http://schemas.microsoft.com/office/drawing/2014/main" id="{7856B5F5-16B7-40BD-A8C7-EE4C9646BA39}"/>
+                </a:ext>
+              </a:extLst>
+            </p:cNvPr>
+            <p:cNvPicPr>
+              <a:picLocks noChangeAspect="1"/>
+            </p:cNvPicPr>
+            <p:nvPr/>
+          </p:nvPicPr>
+          <p:blipFill>
+            <a:blip r:embed="rId9">
+              <a:extLst>
+                <a:ext uri="{837473B0-CC2E-450A-ABE3-18F120FF3D39}">
+                  <a1611:picAttrSrcUrl xmlns:a1611="http://schemas.microsoft.com/office/drawing/2016/11/main" r:id="rId10"/>
+                </a:ext>
+              </a:extLst>
+            </a:blip>
+            <a:stretch>
+              <a:fillRect/>
+            </a:stretch>
+          </p:blipFill>
+          <p:spPr>
+            <a:xfrm>
+              <a:off x="382608" y="2995143"/>
+              <a:ext cx="780289" cy="780289"/>
+            </a:xfrm>
+            <a:prstGeom prst="rect">
+              <a:avLst/>
+            </a:prstGeom>
+          </p:spPr>
+        </p:pic>
+      </p:grpSp>
+      <p:grpSp>
+        <p:nvGrpSpPr>
+          <p:cNvPr id="34" name="Группа 33">
+            <a:extLst>
+              <a:ext uri="{FF2B5EF4-FFF2-40B4-BE49-F238E27FC236}">
+                <a16:creationId xmlns:a16="http://schemas.microsoft.com/office/drawing/2014/main" id="{0220B9E5-489E-4907-B7BA-75C5D775922C}"/>
+              </a:ext>
+            </a:extLst>
+          </p:cNvPr>
+          <p:cNvGrpSpPr/>
+          <p:nvPr/>
+        </p:nvGrpSpPr>
+        <p:grpSpPr>
+          <a:xfrm>
+            <a:off x="777592" y="1311285"/>
+            <a:ext cx="1699197" cy="842871"/>
+            <a:chOff x="777592" y="1149065"/>
+            <a:chExt cx="1699197" cy="842871"/>
+          </a:xfrm>
+        </p:grpSpPr>
+        <p:cxnSp>
+          <p:nvCxnSpPr>
+            <p:cNvPr id="35" name="Соединитель: уступ 34">
+              <a:extLst>
+                <a:ext uri="{FF2B5EF4-FFF2-40B4-BE49-F238E27FC236}">
+                  <a16:creationId xmlns:a16="http://schemas.microsoft.com/office/drawing/2014/main" id="{E16EE042-83CE-45CC-B459-D24882C2350F}"/>
+                </a:ext>
+              </a:extLst>
+            </p:cNvPr>
+            <p:cNvCxnSpPr>
+              <a:cxnSpLocks/>
+              <a:stCxn id="31" idx="0"/>
+            </p:cNvCxnSpPr>
+            <p:nvPr/>
+          </p:nvCxnSpPr>
+          <p:spPr>
+            <a:xfrm rot="5400000" flipH="1" flipV="1">
+              <a:off x="1383847" y="898994"/>
+              <a:ext cx="486687" cy="1699197"/>
+            </a:xfrm>
+            <a:prstGeom prst="bentConnector2">
+              <a:avLst/>
+            </a:prstGeom>
+            <a:ln>
+              <a:tailEnd type="triangle"/>
+            </a:ln>
+          </p:spPr>
+          <p:style>
+            <a:lnRef idx="1">
+              <a:schemeClr val="accent1"/>
+            </a:lnRef>
+            <a:fillRef idx="0">
+              <a:schemeClr val="accent1"/>
+            </a:fillRef>
+            <a:effectRef idx="0">
+              <a:schemeClr val="accent1"/>
+            </a:effectRef>
+            <a:fontRef idx="minor">
+              <a:schemeClr val="tx1"/>
+            </a:fontRef>
+          </p:style>
+        </p:cxnSp>
+        <p:sp>
+          <p:nvSpPr>
+            <p:cNvPr id="36" name="Прямоугольник 35">
+              <a:extLst>
+                <a:ext uri="{FF2B5EF4-FFF2-40B4-BE49-F238E27FC236}">
+                  <a16:creationId xmlns:a16="http://schemas.microsoft.com/office/drawing/2014/main" id="{62CA4C1E-73A8-4A4B-A6B1-50FC6793FC37}"/>
+                </a:ext>
+              </a:extLst>
+            </p:cNvPr>
+            <p:cNvSpPr/>
+            <p:nvPr/>
+          </p:nvSpPr>
+          <p:spPr>
+            <a:xfrm>
+              <a:off x="933893" y="1149065"/>
+              <a:ext cx="1524279" cy="176130"/>
+            </a:xfrm>
+            <a:prstGeom prst="rect">
+              <a:avLst/>
+            </a:prstGeom>
+            <a:noFill/>
+            <a:ln>
+              <a:noFill/>
+            </a:ln>
+          </p:spPr>
+          <p:style>
+            <a:lnRef idx="0">
+              <a:scrgbClr r="0" g="0" b="0"/>
+            </a:lnRef>
+            <a:fillRef idx="0">
+              <a:scrgbClr r="0" g="0" b="0"/>
+            </a:fillRef>
+            <a:effectRef idx="0">
+              <a:scrgbClr r="0" g="0" b="0"/>
+            </a:effectRef>
+            <a:fontRef idx="minor">
+              <a:schemeClr val="dk1"/>
+            </a:fontRef>
+          </p:style>
+          <p:txBody>
+            <a:bodyPr rtlCol="0" anchor="ctr"/>
+            <a:lstStyle/>
+            <a:p>
+              <a:pPr algn="ctr"/>
+              <a:r>
+                <a:rPr lang="en-US" sz="1200" b="1" i="1" spc="50" dirty="0">
+                  <a:ln w="0"/>
+                  <a:solidFill>
+                    <a:schemeClr val="bg2"/>
+                  </a:solidFill>
+                  <a:effectLst>
+                    <a:innerShdw blurRad="63500" dist="50800" dir="13500000">
+                      <a:srgbClr val="000000">
+                        <a:alpha val="50000"/>
+                      </a:srgbClr>
+                    </a:innerShdw>
+                  </a:effectLst>
+                </a:rPr>
+                <a:t>send message</a:t>
+              </a:r>
+              <a:endParaRPr lang="ru-RU" sz="1200" b="1" i="1" spc="50" dirty="0">
+                <a:ln w="0"/>
+                <a:solidFill>
+                  <a:schemeClr val="bg2"/>
+                </a:solidFill>
+                <a:effectLst>
+                  <a:innerShdw blurRad="63500" dist="50800" dir="13500000">
+                    <a:srgbClr val="000000">
+                      <a:alpha val="50000"/>
+                    </a:srgbClr>
+                  </a:innerShdw>
+                </a:effectLst>
+              </a:endParaRPr>
+            </a:p>
+          </p:txBody>
+        </p:sp>
+      </p:grpSp>
+      <p:grpSp>
+        <p:nvGrpSpPr>
+          <p:cNvPr id="37" name="Группа 36">
+            <a:extLst>
+              <a:ext uri="{FF2B5EF4-FFF2-40B4-BE49-F238E27FC236}">
+                <a16:creationId xmlns:a16="http://schemas.microsoft.com/office/drawing/2014/main" id="{197BF0F7-75A5-45E4-ACE1-38EEEFC89BFF}"/>
+              </a:ext>
+            </a:extLst>
+          </p:cNvPr>
+          <p:cNvGrpSpPr/>
+          <p:nvPr/>
+        </p:nvGrpSpPr>
+        <p:grpSpPr>
+          <a:xfrm>
+            <a:off x="5135204" y="1436021"/>
+            <a:ext cx="1266849" cy="176130"/>
+            <a:chOff x="5188526" y="1273801"/>
+            <a:chExt cx="1266849" cy="176130"/>
+          </a:xfrm>
+        </p:grpSpPr>
+        <p:cxnSp>
+          <p:nvCxnSpPr>
+            <p:cNvPr id="38" name="Прямая со стрелкой 37">
+              <a:extLst>
+                <a:ext uri="{FF2B5EF4-FFF2-40B4-BE49-F238E27FC236}">
+                  <a16:creationId xmlns:a16="http://schemas.microsoft.com/office/drawing/2014/main" id="{FB56A4AA-37BB-4DB6-B516-72D9866DD572}"/>
+                </a:ext>
+              </a:extLst>
+            </p:cNvPr>
+            <p:cNvCxnSpPr>
+              <a:cxnSpLocks/>
+            </p:cNvCxnSpPr>
+            <p:nvPr/>
+          </p:nvCxnSpPr>
+          <p:spPr>
+            <a:xfrm>
+              <a:off x="5188526" y="1361868"/>
+              <a:ext cx="1229047" cy="0"/>
+            </a:xfrm>
+            <a:prstGeom prst="straightConnector1">
+              <a:avLst/>
+            </a:prstGeom>
+            <a:ln>
+              <a:tailEnd type="triangle"/>
+            </a:ln>
+          </p:spPr>
+          <p:style>
+            <a:lnRef idx="1">
+              <a:schemeClr val="accent1"/>
+            </a:lnRef>
+            <a:fillRef idx="0">
+              <a:schemeClr val="accent1"/>
+            </a:fillRef>
+            <a:effectRef idx="0">
+              <a:schemeClr val="accent1"/>
+            </a:effectRef>
+            <a:fontRef idx="minor">
+              <a:schemeClr val="tx1"/>
+            </a:fontRef>
+          </p:style>
+        </p:cxnSp>
+        <p:sp>
+          <p:nvSpPr>
+            <p:cNvPr id="39" name="Прямоугольник 38">
+              <a:extLst>
+                <a:ext uri="{FF2B5EF4-FFF2-40B4-BE49-F238E27FC236}">
+                  <a16:creationId xmlns:a16="http://schemas.microsoft.com/office/drawing/2014/main" id="{3C918B4E-6E28-4DDD-A10E-53D79BA1FA9A}"/>
+                </a:ext>
+              </a:extLst>
+            </p:cNvPr>
+            <p:cNvSpPr/>
+            <p:nvPr/>
+          </p:nvSpPr>
+          <p:spPr>
+            <a:xfrm>
+              <a:off x="5204995" y="1273801"/>
+              <a:ext cx="1250380" cy="176130"/>
+            </a:xfrm>
+            <a:prstGeom prst="rect">
+              <a:avLst/>
+            </a:prstGeom>
+            <a:noFill/>
+            <a:ln>
+              <a:noFill/>
+            </a:ln>
+          </p:spPr>
+          <p:style>
+            <a:lnRef idx="0">
+              <a:scrgbClr r="0" g="0" b="0"/>
+            </a:lnRef>
+            <a:fillRef idx="0">
+              <a:scrgbClr r="0" g="0" b="0"/>
+            </a:fillRef>
+            <a:effectRef idx="0">
+              <a:scrgbClr r="0" g="0" b="0"/>
+            </a:effectRef>
+            <a:fontRef idx="minor">
+              <a:schemeClr val="dk1"/>
+            </a:fontRef>
+          </p:style>
+          <p:txBody>
+            <a:bodyPr rtlCol="0" anchor="ctr"/>
+            <a:lstStyle/>
+            <a:p>
+              <a:pPr algn="ctr"/>
+              <a:r>
+                <a:rPr lang="en-US" sz="1200" b="1" i="1" spc="50" dirty="0">
+                  <a:ln w="0"/>
+                  <a:solidFill>
+                    <a:schemeClr val="bg2"/>
+                  </a:solidFill>
+                  <a:effectLst>
+                    <a:innerShdw blurRad="63500" dist="50800" dir="13500000">
+                      <a:srgbClr val="000000">
+                        <a:alpha val="50000"/>
+                      </a:srgbClr>
+                    </a:innerShdw>
+                  </a:effectLst>
+                </a:rPr>
+                <a:t>receive message</a:t>
+              </a:r>
+              <a:endParaRPr lang="ru-RU" sz="1200" b="1" i="1" spc="50" dirty="0">
+                <a:ln w="0"/>
+                <a:solidFill>
+                  <a:schemeClr val="bg2"/>
+                </a:solidFill>
+                <a:effectLst>
+                  <a:innerShdw blurRad="63500" dist="50800" dir="13500000">
+                    <a:srgbClr val="000000">
+                      <a:alpha val="50000"/>
+                    </a:srgbClr>
+                  </a:innerShdw>
+                </a:effectLst>
+              </a:endParaRPr>
+            </a:p>
+          </p:txBody>
+        </p:sp>
+      </p:grpSp>
+      <p:grpSp>
+        <p:nvGrpSpPr>
+          <p:cNvPr id="40" name="Группа 39">
+            <a:extLst>
+              <a:ext uri="{FF2B5EF4-FFF2-40B4-BE49-F238E27FC236}">
+                <a16:creationId xmlns:a16="http://schemas.microsoft.com/office/drawing/2014/main" id="{2B5870A4-F9FC-412A-A64C-1B60DA9C145D}"/>
+              </a:ext>
+            </a:extLst>
+          </p:cNvPr>
+          <p:cNvGrpSpPr/>
+          <p:nvPr/>
+        </p:nvGrpSpPr>
+        <p:grpSpPr>
+          <a:xfrm>
+            <a:off x="1444867" y="3470619"/>
+            <a:ext cx="4919384" cy="460897"/>
+            <a:chOff x="1498189" y="3308399"/>
+            <a:chExt cx="4919384" cy="460897"/>
+          </a:xfrm>
+        </p:grpSpPr>
+        <p:cxnSp>
+          <p:nvCxnSpPr>
+            <p:cNvPr id="41" name="Прямая со стрелкой 40">
+              <a:extLst>
+                <a:ext uri="{FF2B5EF4-FFF2-40B4-BE49-F238E27FC236}">
+                  <a16:creationId xmlns:a16="http://schemas.microsoft.com/office/drawing/2014/main" id="{DCAFEEE5-2D1B-40D3-A241-BE306EF41CBA}"/>
+                </a:ext>
+              </a:extLst>
+            </p:cNvPr>
+            <p:cNvCxnSpPr>
+              <a:cxnSpLocks/>
+            </p:cNvCxnSpPr>
+            <p:nvPr/>
+          </p:nvCxnSpPr>
+          <p:spPr>
+            <a:xfrm>
+              <a:off x="1498190" y="3512415"/>
+              <a:ext cx="4919383" cy="0"/>
+            </a:xfrm>
+            <a:prstGeom prst="straightConnector1">
+              <a:avLst/>
+            </a:prstGeom>
+            <a:ln>
+              <a:tailEnd type="triangle"/>
+            </a:ln>
+          </p:spPr>
+          <p:style>
+            <a:lnRef idx="1">
+              <a:schemeClr val="accent1"/>
+            </a:lnRef>
+            <a:fillRef idx="0">
+              <a:schemeClr val="accent1"/>
+            </a:fillRef>
+            <a:effectRef idx="0">
+              <a:schemeClr val="accent1"/>
+            </a:effectRef>
+            <a:fontRef idx="minor">
+              <a:schemeClr val="tx1"/>
+            </a:fontRef>
+          </p:style>
+        </p:cxnSp>
+        <p:cxnSp>
+          <p:nvCxnSpPr>
+            <p:cNvPr id="42" name="Прямая со стрелкой 41">
+              <a:extLst>
+                <a:ext uri="{FF2B5EF4-FFF2-40B4-BE49-F238E27FC236}">
+                  <a16:creationId xmlns:a16="http://schemas.microsoft.com/office/drawing/2014/main" id="{206B0CDA-A113-48A3-B474-9F1B53117343}"/>
+                </a:ext>
+              </a:extLst>
+            </p:cNvPr>
+            <p:cNvCxnSpPr>
+              <a:cxnSpLocks/>
+            </p:cNvCxnSpPr>
+            <p:nvPr/>
+          </p:nvCxnSpPr>
+          <p:spPr>
+            <a:xfrm flipH="1">
+              <a:off x="1498189" y="3567835"/>
+              <a:ext cx="4919384" cy="0"/>
+            </a:xfrm>
+            <a:prstGeom prst="straightConnector1">
+              <a:avLst/>
+            </a:prstGeom>
+            <a:ln>
+              <a:prstDash val="lgDash"/>
+              <a:tailEnd type="triangle"/>
+            </a:ln>
+          </p:spPr>
+          <p:style>
+            <a:lnRef idx="1">
+              <a:schemeClr val="accent1"/>
+            </a:lnRef>
+            <a:fillRef idx="0">
+              <a:schemeClr val="accent1"/>
+            </a:fillRef>
+            <a:effectRef idx="0">
+              <a:schemeClr val="accent1"/>
+            </a:effectRef>
+            <a:fontRef idx="minor">
+              <a:schemeClr val="tx1"/>
+            </a:fontRef>
+          </p:style>
+        </p:cxnSp>
+        <p:sp>
+          <p:nvSpPr>
+            <p:cNvPr id="43" name="Прямоугольник 42">
+              <a:extLst>
+                <a:ext uri="{FF2B5EF4-FFF2-40B4-BE49-F238E27FC236}">
+                  <a16:creationId xmlns:a16="http://schemas.microsoft.com/office/drawing/2014/main" id="{34F71CFD-5A5C-467F-B122-9307312F32B3}"/>
+                </a:ext>
+              </a:extLst>
+            </p:cNvPr>
+            <p:cNvSpPr/>
+            <p:nvPr/>
+          </p:nvSpPr>
+          <p:spPr>
+            <a:xfrm>
+              <a:off x="2989191" y="3308399"/>
+              <a:ext cx="1159180" cy="204016"/>
+            </a:xfrm>
+            <a:prstGeom prst="rect">
+              <a:avLst/>
+            </a:prstGeom>
+            <a:noFill/>
+            <a:ln>
+              <a:noFill/>
+            </a:ln>
+          </p:spPr>
+          <p:style>
+            <a:lnRef idx="0">
+              <a:scrgbClr r="0" g="0" b="0"/>
+            </a:lnRef>
+            <a:fillRef idx="0">
+              <a:scrgbClr r="0" g="0" b="0"/>
+            </a:fillRef>
+            <a:effectRef idx="0">
+              <a:scrgbClr r="0" g="0" b="0"/>
+            </a:effectRef>
+            <a:fontRef idx="minor">
+              <a:schemeClr val="dk1"/>
+            </a:fontRef>
+          </p:style>
+          <p:txBody>
+            <a:bodyPr rtlCol="0" anchor="ctr"/>
+            <a:lstStyle/>
+            <a:p>
+              <a:pPr lvl="1" algn="ctr"/>
+              <a:r>
+                <a:rPr lang="en-US" sz="1200" b="1" i="1" spc="50" dirty="0">
+                  <a:ln w="0"/>
+                  <a:solidFill>
+                    <a:schemeClr val="bg2"/>
+                  </a:solidFill>
+                  <a:effectLst>
+                    <a:innerShdw blurRad="63500" dist="50800" dir="13500000">
+                      <a:srgbClr val="000000">
+                        <a:alpha val="50000"/>
+                      </a:srgbClr>
+                    </a:innerShdw>
+                  </a:effectLst>
+                </a:rPr>
+                <a:t>request</a:t>
+              </a:r>
+            </a:p>
+          </p:txBody>
+        </p:sp>
+        <p:sp>
+          <p:nvSpPr>
+            <p:cNvPr id="44" name="Прямоугольник 43">
+              <a:extLst>
+                <a:ext uri="{FF2B5EF4-FFF2-40B4-BE49-F238E27FC236}">
+                  <a16:creationId xmlns:a16="http://schemas.microsoft.com/office/drawing/2014/main" id="{90F91626-C830-4066-974C-2FFE08032718}"/>
+                </a:ext>
+              </a:extLst>
+            </p:cNvPr>
+            <p:cNvSpPr/>
+            <p:nvPr/>
+          </p:nvSpPr>
+          <p:spPr>
+            <a:xfrm>
+              <a:off x="2989191" y="3565280"/>
+              <a:ext cx="1159180" cy="204016"/>
+            </a:xfrm>
+            <a:prstGeom prst="rect">
+              <a:avLst/>
+            </a:prstGeom>
+            <a:noFill/>
+            <a:ln>
+              <a:noFill/>
+            </a:ln>
+          </p:spPr>
+          <p:style>
+            <a:lnRef idx="0">
+              <a:scrgbClr r="0" g="0" b="0"/>
+            </a:lnRef>
+            <a:fillRef idx="0">
+              <a:scrgbClr r="0" g="0" b="0"/>
+            </a:fillRef>
+            <a:effectRef idx="0">
+              <a:scrgbClr r="0" g="0" b="0"/>
+            </a:effectRef>
+            <a:fontRef idx="minor">
+              <a:schemeClr val="dk1"/>
+            </a:fontRef>
+          </p:style>
+          <p:txBody>
+            <a:bodyPr rtlCol="0" anchor="ctr"/>
+            <a:lstStyle/>
+            <a:p>
+              <a:pPr lvl="1" algn="ctr"/>
+              <a:r>
+                <a:rPr lang="en-US" sz="1200" b="1" i="1" spc="50" dirty="0">
+                  <a:ln w="0"/>
+                  <a:solidFill>
+                    <a:schemeClr val="bg2"/>
+                  </a:solidFill>
+                  <a:effectLst>
+                    <a:innerShdw blurRad="63500" dist="50800" dir="13500000">
+                      <a:srgbClr val="000000">
+                        <a:alpha val="50000"/>
+                      </a:srgbClr>
+                    </a:innerShdw>
+                  </a:effectLst>
+                </a:rPr>
+                <a:t>response</a:t>
+              </a:r>
+            </a:p>
+          </p:txBody>
+        </p:sp>
+      </p:grpSp>
+      <p:grpSp>
+        <p:nvGrpSpPr>
+          <p:cNvPr id="45" name="Группа 44">
+            <a:extLst>
+              <a:ext uri="{FF2B5EF4-FFF2-40B4-BE49-F238E27FC236}">
+                <a16:creationId xmlns:a16="http://schemas.microsoft.com/office/drawing/2014/main" id="{BB683662-5DC3-4411-8CB6-F3AA2A9CF8ED}"/>
+              </a:ext>
+            </a:extLst>
+          </p:cNvPr>
+          <p:cNvGrpSpPr/>
+          <p:nvPr/>
+        </p:nvGrpSpPr>
+        <p:grpSpPr>
+          <a:xfrm>
+            <a:off x="7579944" y="1780054"/>
+            <a:ext cx="1449756" cy="1783303"/>
+            <a:chOff x="7633266" y="1617834"/>
+            <a:chExt cx="1449756" cy="1783303"/>
+          </a:xfrm>
+        </p:grpSpPr>
+        <p:sp>
+          <p:nvSpPr>
+            <p:cNvPr id="46" name="Прямоугольник 45">
+              <a:extLst>
+                <a:ext uri="{FF2B5EF4-FFF2-40B4-BE49-F238E27FC236}">
+                  <a16:creationId xmlns:a16="http://schemas.microsoft.com/office/drawing/2014/main" id="{966CAAAC-5C33-407B-9CBE-2DE930BBF0B6}"/>
+                </a:ext>
+              </a:extLst>
+            </p:cNvPr>
+            <p:cNvSpPr/>
+            <p:nvPr/>
+          </p:nvSpPr>
+          <p:spPr>
+            <a:xfrm>
+              <a:off x="8154592" y="1617834"/>
+              <a:ext cx="928430" cy="1783303"/>
+            </a:xfrm>
+            <a:prstGeom prst="rect">
+              <a:avLst/>
+            </a:prstGeom>
+            <a:solidFill>
+              <a:schemeClr val="accent1">
+                <a:lumMod val="20000"/>
+                <a:lumOff val="80000"/>
+              </a:schemeClr>
+            </a:solidFill>
+            <a:ln w="9525" cap="flat" cmpd="sng" algn="ctr">
+              <a:solidFill>
+                <a:schemeClr val="accent1"/>
+              </a:solidFill>
+              <a:prstDash val="solid"/>
+              <a:round/>
+              <a:headEnd type="none" w="med" len="med"/>
+              <a:tailEnd type="none" w="med" len="med"/>
+            </a:ln>
+          </p:spPr>
+          <p:style>
+            <a:lnRef idx="0">
+              <a:scrgbClr r="0" g="0" b="0"/>
+            </a:lnRef>
+            <a:fillRef idx="0">
+              <a:scrgbClr r="0" g="0" b="0"/>
+            </a:fillRef>
+            <a:effectRef idx="0">
+              <a:scrgbClr r="0" g="0" b="0"/>
+            </a:effectRef>
+            <a:fontRef idx="minor">
+              <a:schemeClr val="accent1"/>
+            </a:fontRef>
+          </p:style>
+          <p:txBody>
+            <a:bodyPr rtlCol="0" anchor="ctr"/>
+            <a:lstStyle/>
+            <a:p>
+              <a:pPr algn="ctr"/>
+              <a:endParaRPr lang="ru-RU"/>
+            </a:p>
+          </p:txBody>
+        </p:sp>
+        <p:grpSp>
+          <p:nvGrpSpPr>
+            <p:cNvPr id="47" name="Группа 46">
+              <a:extLst>
+                <a:ext uri="{FF2B5EF4-FFF2-40B4-BE49-F238E27FC236}">
+                  <a16:creationId xmlns:a16="http://schemas.microsoft.com/office/drawing/2014/main" id="{3A7E3B9C-6830-4E9E-801A-2EC87334C9BB}"/>
+                </a:ext>
+              </a:extLst>
+            </p:cNvPr>
+            <p:cNvGrpSpPr/>
+            <p:nvPr/>
+          </p:nvGrpSpPr>
+          <p:grpSpPr>
+            <a:xfrm>
+              <a:off x="7633266" y="2377869"/>
+              <a:ext cx="429491" cy="131617"/>
+              <a:chOff x="1898073" y="1239982"/>
+              <a:chExt cx="429491" cy="131617"/>
+            </a:xfrm>
+          </p:grpSpPr>
+          <p:cxnSp>
+            <p:nvCxnSpPr>
+              <p:cNvPr id="50" name="Прямая со стрелкой 49">
+                <a:extLst>
+                  <a:ext uri="{FF2B5EF4-FFF2-40B4-BE49-F238E27FC236}">
+                    <a16:creationId xmlns:a16="http://schemas.microsoft.com/office/drawing/2014/main" id="{18486097-402A-4CA5-86B0-23EEA0BD9F3E}"/>
+                  </a:ext>
+                </a:extLst>
+              </p:cNvPr>
+              <p:cNvCxnSpPr>
+                <a:cxnSpLocks/>
+              </p:cNvCxnSpPr>
+              <p:nvPr/>
+            </p:nvCxnSpPr>
+            <p:spPr>
+              <a:xfrm>
+                <a:off x="1981200" y="1239982"/>
+                <a:ext cx="346364" cy="0"/>
+              </a:xfrm>
+              <a:prstGeom prst="straightConnector1">
+                <a:avLst/>
+              </a:prstGeom>
+              <a:ln>
+                <a:tailEnd type="triangle"/>
+              </a:ln>
+            </p:spPr>
+            <p:style>
+              <a:lnRef idx="2">
+                <a:schemeClr val="accent1"/>
+              </a:lnRef>
+              <a:fillRef idx="0">
+                <a:schemeClr val="accent1"/>
+              </a:fillRef>
+              <a:effectRef idx="1">
+                <a:schemeClr val="accent1"/>
+              </a:effectRef>
+              <a:fontRef idx="minor">
+                <a:schemeClr val="tx1"/>
+              </a:fontRef>
+            </p:style>
+          </p:cxnSp>
+          <p:cxnSp>
+            <p:nvCxnSpPr>
+              <p:cNvPr id="51" name="Прямая со стрелкой 50">
+                <a:extLst>
+                  <a:ext uri="{FF2B5EF4-FFF2-40B4-BE49-F238E27FC236}">
+                    <a16:creationId xmlns:a16="http://schemas.microsoft.com/office/drawing/2014/main" id="{02ABC6E4-D158-4818-9429-C775DA4AF54C}"/>
+                  </a:ext>
+                </a:extLst>
+              </p:cNvPr>
+              <p:cNvCxnSpPr>
+                <a:cxnSpLocks/>
+              </p:cNvCxnSpPr>
+              <p:nvPr/>
+            </p:nvCxnSpPr>
+            <p:spPr>
+              <a:xfrm flipH="1">
+                <a:off x="1898073" y="1371599"/>
+                <a:ext cx="339436" cy="0"/>
+              </a:xfrm>
+              <a:prstGeom prst="straightConnector1">
+                <a:avLst/>
+              </a:prstGeom>
+              <a:ln>
+                <a:tailEnd type="triangle"/>
+              </a:ln>
+            </p:spPr>
+            <p:style>
+              <a:lnRef idx="2">
+                <a:schemeClr val="accent1"/>
+              </a:lnRef>
+              <a:fillRef idx="0">
+                <a:schemeClr val="accent1"/>
+              </a:fillRef>
+              <a:effectRef idx="1">
+                <a:schemeClr val="accent1"/>
+              </a:effectRef>
+              <a:fontRef idx="minor">
+                <a:schemeClr val="tx1"/>
+              </a:fontRef>
+            </p:style>
+          </p:cxnSp>
+        </p:grpSp>
+        <p:pic>
+          <p:nvPicPr>
+            <p:cNvPr id="48" name="Рисунок 47">
+              <a:extLst>
+                <a:ext uri="{FF2B5EF4-FFF2-40B4-BE49-F238E27FC236}">
+                  <a16:creationId xmlns:a16="http://schemas.microsoft.com/office/drawing/2014/main" id="{E871F29C-EC0C-448C-96E4-A3D11160E2AB}"/>
+                </a:ext>
+              </a:extLst>
+            </p:cNvPr>
+            <p:cNvPicPr>
+              <a:picLocks noChangeAspect="1"/>
+            </p:cNvPicPr>
+            <p:nvPr/>
+          </p:nvPicPr>
+          <p:blipFill>
+            <a:blip r:embed="rId11">
+              <a:extLst>
+                <a:ext uri="{837473B0-CC2E-450A-ABE3-18F120FF3D39}">
+                  <a1611:picAttrSrcUrl xmlns:a1611="http://schemas.microsoft.com/office/drawing/2016/11/main" r:id="rId12"/>
+                </a:ext>
+              </a:extLst>
+            </a:blip>
+            <a:stretch>
+              <a:fillRect/>
+            </a:stretch>
+          </p:blipFill>
+          <p:spPr>
+            <a:xfrm>
+              <a:off x="8226531" y="2590669"/>
+              <a:ext cx="780291" cy="780291"/>
+            </a:xfrm>
+            <a:prstGeom prst="rect">
+              <a:avLst/>
+            </a:prstGeom>
+          </p:spPr>
+        </p:pic>
+        <p:sp>
+          <p:nvSpPr>
+            <p:cNvPr id="49" name="Прямоугольник 48">
+              <a:extLst>
+                <a:ext uri="{FF2B5EF4-FFF2-40B4-BE49-F238E27FC236}">
+                  <a16:creationId xmlns:a16="http://schemas.microsoft.com/office/drawing/2014/main" id="{7B2EC4D2-129D-4366-B8EF-912E98966064}"/>
+                </a:ext>
+              </a:extLst>
+            </p:cNvPr>
+            <p:cNvSpPr/>
+            <p:nvPr/>
+          </p:nvSpPr>
+          <p:spPr>
+            <a:xfrm>
+              <a:off x="8226530" y="1701470"/>
+              <a:ext cx="780291" cy="780287"/>
+            </a:xfrm>
+            <a:prstGeom prst="rect">
+              <a:avLst/>
+            </a:prstGeom>
+          </p:spPr>
+          <p:style>
+            <a:lnRef idx="1">
+              <a:schemeClr val="accent3"/>
+            </a:lnRef>
+            <a:fillRef idx="3">
+              <a:schemeClr val="accent3"/>
+            </a:fillRef>
+            <a:effectRef idx="2">
+              <a:schemeClr val="accent3"/>
+            </a:effectRef>
+            <a:fontRef idx="minor">
+              <a:schemeClr val="lt1"/>
+            </a:fontRef>
+          </p:style>
+          <p:txBody>
+            <a:bodyPr rtlCol="0" anchor="ctr"/>
+            <a:lstStyle/>
+            <a:p>
+              <a:pPr algn="ctr"/>
+              <a:r>
+                <a:rPr lang="en-US" dirty="0">
+                  <a:ln w="0">
+                    <a:solidFill>
+                      <a:schemeClr val="accent4">
+                        <a:lumMod val="75000"/>
+                      </a:schemeClr>
+                    </a:solidFill>
+                  </a:ln>
+                  <a:solidFill>
+                    <a:schemeClr val="accent1"/>
+                  </a:solidFill>
+                  <a:effectLst>
+                    <a:outerShdw blurRad="38100" dist="25400" dir="5400000" algn="ctr" rotWithShape="0">
+                      <a:srgbClr val="6E747A">
+                        <a:alpha val="43000"/>
+                      </a:srgbClr>
+                    </a:outerShdw>
+                  </a:effectLst>
+                </a:rPr>
+                <a:t>MS SQL Server</a:t>
+              </a:r>
+            </a:p>
+          </p:txBody>
+        </p:sp>
+      </p:grpSp>
+      <p:grpSp>
+        <p:nvGrpSpPr>
+          <p:cNvPr id="52" name="Группа 51">
+            <a:extLst>
+              <a:ext uri="{FF2B5EF4-FFF2-40B4-BE49-F238E27FC236}">
+                <a16:creationId xmlns:a16="http://schemas.microsoft.com/office/drawing/2014/main" id="{1EE7F86A-F6F0-46DF-8DDB-68C10EB5D32A}"/>
+              </a:ext>
+            </a:extLst>
+          </p:cNvPr>
+          <p:cNvGrpSpPr/>
+          <p:nvPr/>
+        </p:nvGrpSpPr>
+        <p:grpSpPr>
+          <a:xfrm>
+            <a:off x="2476787" y="748911"/>
+            <a:ext cx="2752260" cy="1538826"/>
+            <a:chOff x="2530109" y="586691"/>
+            <a:chExt cx="2752260" cy="1538826"/>
+          </a:xfrm>
+        </p:grpSpPr>
+        <p:sp>
+          <p:nvSpPr>
+            <p:cNvPr id="53" name="Прямоугольник 52">
+              <a:extLst>
+                <a:ext uri="{FF2B5EF4-FFF2-40B4-BE49-F238E27FC236}">
+                  <a16:creationId xmlns:a16="http://schemas.microsoft.com/office/drawing/2014/main" id="{79A4DC7C-D98A-4B33-BEFC-0777648F78A2}"/>
+                </a:ext>
+              </a:extLst>
+            </p:cNvPr>
+            <p:cNvSpPr/>
+            <p:nvPr/>
+          </p:nvSpPr>
+          <p:spPr>
+            <a:xfrm>
+              <a:off x="2530109" y="586691"/>
+              <a:ext cx="2658417" cy="1266192"/>
+            </a:xfrm>
+            <a:prstGeom prst="rect">
+              <a:avLst/>
+            </a:prstGeom>
+            <a:solidFill>
+              <a:schemeClr val="accent1">
+                <a:lumMod val="20000"/>
+                <a:lumOff val="80000"/>
+              </a:schemeClr>
+            </a:solidFill>
+            <a:ln w="9525" cap="flat" cmpd="sng" algn="ctr">
+              <a:solidFill>
+                <a:schemeClr val="accent1"/>
+              </a:solidFill>
+              <a:prstDash val="solid"/>
+              <a:round/>
+              <a:headEnd type="none" w="med" len="med"/>
+              <a:tailEnd type="none" w="med" len="med"/>
+            </a:ln>
+          </p:spPr>
+          <p:style>
+            <a:lnRef idx="0">
+              <a:scrgbClr r="0" g="0" b="0"/>
+            </a:lnRef>
+            <a:fillRef idx="0">
+              <a:scrgbClr r="0" g="0" b="0"/>
+            </a:fillRef>
+            <a:effectRef idx="0">
+              <a:scrgbClr r="0" g="0" b="0"/>
+            </a:effectRef>
+            <a:fontRef idx="minor">
+              <a:schemeClr val="accent1"/>
+            </a:fontRef>
+          </p:style>
+          <p:txBody>
+            <a:bodyPr rtlCol="0" anchor="ctr"/>
+            <a:lstStyle/>
+            <a:p>
+              <a:pPr algn="ctr"/>
+              <a:endParaRPr lang="ru-RU"/>
+            </a:p>
+          </p:txBody>
+        </p:sp>
+        <p:pic>
+          <p:nvPicPr>
+            <p:cNvPr id="54" name="Рисунок 53">
+              <a:extLst>
+                <a:ext uri="{FF2B5EF4-FFF2-40B4-BE49-F238E27FC236}">
+                  <a16:creationId xmlns:a16="http://schemas.microsoft.com/office/drawing/2014/main" id="{8596D7D3-7C16-467F-AA15-8537B7E668B2}"/>
+                </a:ext>
+              </a:extLst>
+            </p:cNvPr>
+            <p:cNvPicPr>
+              <a:picLocks noChangeAspect="1"/>
+            </p:cNvPicPr>
+            <p:nvPr/>
+          </p:nvPicPr>
+          <p:blipFill rotWithShape="1">
+            <a:blip r:embed="rId13">
+              <a:extLst>
+                <a:ext uri="{837473B0-CC2E-450A-ABE3-18F120FF3D39}">
+                  <a1611:picAttrSrcUrl xmlns:a1611="http://schemas.microsoft.com/office/drawing/2016/11/main" r:id="rId14"/>
+                </a:ext>
+              </a:extLst>
+            </a:blip>
+            <a:srcRect l="20761" r="22748"/>
+            <a:stretch/>
+          </p:blipFill>
+          <p:spPr>
+            <a:xfrm>
+              <a:off x="2608412" y="971721"/>
+              <a:ext cx="780291" cy="780290"/>
+            </a:xfrm>
+            <a:prstGeom prst="rect">
+              <a:avLst/>
+            </a:prstGeom>
+          </p:spPr>
+        </p:pic>
+        <p:pic>
+          <p:nvPicPr>
+            <p:cNvPr id="55" name="Рисунок 54">
+              <a:extLst>
+                <a:ext uri="{FF2B5EF4-FFF2-40B4-BE49-F238E27FC236}">
+                  <a16:creationId xmlns:a16="http://schemas.microsoft.com/office/drawing/2014/main" id="{6AB0F421-9386-41D9-9F39-B4F4C638CA75}"/>
+                </a:ext>
+              </a:extLst>
+            </p:cNvPr>
+            <p:cNvPicPr>
+              <a:picLocks noChangeAspect="1"/>
+            </p:cNvPicPr>
+            <p:nvPr/>
+          </p:nvPicPr>
+          <p:blipFill>
+            <a:blip r:embed="rId15">
+              <a:extLst>
+                <a:ext uri="{837473B0-CC2E-450A-ABE3-18F120FF3D39}">
+                  <a1611:picAttrSrcUrl xmlns:a1611="http://schemas.microsoft.com/office/drawing/2016/11/main" r:id="rId16"/>
+                </a:ext>
+              </a:extLst>
+            </a:blip>
+            <a:stretch>
+              <a:fillRect/>
+            </a:stretch>
+          </p:blipFill>
+          <p:spPr>
+            <a:xfrm>
+              <a:off x="3248145" y="598216"/>
+              <a:ext cx="2034224" cy="1527301"/>
+            </a:xfrm>
+            <a:prstGeom prst="rect">
+              <a:avLst/>
+            </a:prstGeom>
+          </p:spPr>
+        </p:pic>
+        <p:sp>
+          <p:nvSpPr>
+            <p:cNvPr id="56" name="Прямоугольник 55">
+              <a:extLst>
+                <a:ext uri="{FF2B5EF4-FFF2-40B4-BE49-F238E27FC236}">
+                  <a16:creationId xmlns:a16="http://schemas.microsoft.com/office/drawing/2014/main" id="{D25571D8-8000-4AD7-858E-84D0228B9EE1}"/>
+                </a:ext>
+              </a:extLst>
+            </p:cNvPr>
+            <p:cNvSpPr/>
+            <p:nvPr/>
+          </p:nvSpPr>
+          <p:spPr>
+            <a:xfrm>
+              <a:off x="2608410" y="675285"/>
+              <a:ext cx="2504133" cy="241017"/>
+            </a:xfrm>
+            <a:prstGeom prst="rect">
+              <a:avLst/>
+            </a:prstGeom>
+          </p:spPr>
+          <p:style>
+            <a:lnRef idx="1">
+              <a:schemeClr val="accent3"/>
+            </a:lnRef>
+            <a:fillRef idx="3">
+              <a:schemeClr val="accent3"/>
+            </a:fillRef>
+            <a:effectRef idx="2">
+              <a:schemeClr val="accent3"/>
+            </a:effectRef>
+            <a:fontRef idx="minor">
+              <a:schemeClr val="lt1"/>
+            </a:fontRef>
+          </p:style>
+          <p:txBody>
+            <a:bodyPr rtlCol="0" anchor="ctr"/>
+            <a:lstStyle/>
+            <a:p>
+              <a:pPr algn="ctr"/>
+              <a:r>
+                <a:rPr lang="en-US" dirty="0">
+                  <a:ln w="0">
+                    <a:solidFill>
+                      <a:schemeClr val="accent4">
+                        <a:lumMod val="75000"/>
+                      </a:schemeClr>
+                    </a:solidFill>
+                  </a:ln>
+                  <a:solidFill>
+                    <a:schemeClr val="accent1"/>
+                  </a:solidFill>
+                  <a:effectLst>
+                    <a:outerShdw blurRad="38100" dist="25400" dir="5400000" algn="ctr" rotWithShape="0">
+                      <a:srgbClr val="6E747A">
+                        <a:alpha val="43000"/>
+                      </a:srgbClr>
+                    </a:outerShdw>
+                  </a:effectLst>
+                </a:rPr>
+                <a:t>Message Bus</a:t>
+              </a:r>
+              <a:endParaRPr lang="ru-RU" dirty="0">
+                <a:ln w="0">
+                  <a:solidFill>
+                    <a:schemeClr val="accent4">
+                      <a:lumMod val="75000"/>
+                    </a:schemeClr>
+                  </a:solidFill>
+                </a:ln>
+                <a:solidFill>
+                  <a:schemeClr val="accent1"/>
+                </a:solidFill>
+                <a:effectLst>
+                  <a:outerShdw blurRad="38100" dist="25400" dir="5400000" algn="ctr" rotWithShape="0">
+                    <a:srgbClr val="6E747A">
+                      <a:alpha val="43000"/>
+                    </a:srgbClr>
+                  </a:outerShdw>
+                </a:effectLst>
+              </a:endParaRPr>
+            </a:p>
+          </p:txBody>
+        </p:sp>
+      </p:grpSp>
+      <p:sp>
+        <p:nvSpPr>
+          <p:cNvPr id="4" name="Прямоугольник 3">
+            <a:extLst>
+              <a:ext uri="{FF2B5EF4-FFF2-40B4-BE49-F238E27FC236}">
+                <a16:creationId xmlns:a16="http://schemas.microsoft.com/office/drawing/2014/main" id="{125714AE-1889-4348-AA76-1FCB689EE25C}"/>
+              </a:ext>
+            </a:extLst>
+          </p:cNvPr>
+          <p:cNvSpPr/>
+          <p:nvPr/>
+        </p:nvSpPr>
+        <p:spPr>
+          <a:xfrm>
+            <a:off x="169583" y="70449"/>
+            <a:ext cx="4562467" cy="307777"/>
+          </a:xfrm>
+          <a:prstGeom prst="rect">
+            <a:avLst/>
+          </a:prstGeom>
+        </p:spPr>
+        <p:txBody>
+          <a:bodyPr wrap="none">
+            <a:spAutoFit/>
+          </a:bodyPr>
+          <a:lstStyle/>
+          <a:p>
+            <a:r>
+              <a:rPr lang="en-US" dirty="0">
+                <a:hlinkClick r:id="rId17"/>
+              </a:rPr>
+              <a:t>https://github.com/AzarinSergey/winter-school-example</a:t>
+            </a:r>
+            <a:endParaRPr lang="en-US" dirty="0"/>
+          </a:p>
+        </p:txBody>
+      </p:sp>
+    </p:spTree>
   </p:cSld>
   <p:clrMapOvr>
     <a:masterClrMapping/>
@@ -17933,8 +19458,8 @@
               <a:buNone/>
             </a:pPr>
             <a:r>
-              <a:rPr lang="ru-RU" sz="4800" dirty="0"/>
-              <a:t>Проверка</a:t>
+              <a:rPr lang="en-US" sz="4800" dirty="0"/>
+              <a:t>docker-compose</a:t>
             </a:r>
             <a:endParaRPr sz="4800" dirty="0"/>
           </a:p>
@@ -18071,127 +19596,54 @@
           </a:p>
         </p:txBody>
       </p:sp>
-      <p:sp>
-        <p:nvSpPr>
-          <p:cNvPr id="8" name="Прямоугольник 7">
+      <p:pic>
+        <p:nvPicPr>
+          <p:cNvPr id="2" name="Рисунок 1">
             <a:extLst>
               <a:ext uri="{FF2B5EF4-FFF2-40B4-BE49-F238E27FC236}">
-                <a16:creationId xmlns:a16="http://schemas.microsoft.com/office/drawing/2014/main" id="{29F67D64-3A96-498B-AD8A-185215C69C8A}"/>
+                <a16:creationId xmlns:a16="http://schemas.microsoft.com/office/drawing/2014/main" id="{18D4ACEB-5225-4DDC-9A4C-AAF0E38303D8}"/>
               </a:ext>
             </a:extLst>
           </p:cNvPr>
-          <p:cNvSpPr/>
+          <p:cNvPicPr>
+            <a:picLocks noChangeAspect="1"/>
+          </p:cNvPicPr>
           <p:nvPr/>
-        </p:nvSpPr>
+        </p:nvPicPr>
+        <p:blipFill>
+          <a:blip r:embed="rId3"/>
+          <a:stretch>
+            <a:fillRect/>
+          </a:stretch>
+        </p:blipFill>
         <p:spPr>
           <a:xfrm>
-            <a:off x="397129" y="1284596"/>
-            <a:ext cx="8349741" cy="3244158"/>
+            <a:off x="1665893" y="1439487"/>
+            <a:ext cx="6360914" cy="3149123"/>
           </a:xfrm>
           <a:prstGeom prst="rect">
             <a:avLst/>
           </a:prstGeom>
         </p:spPr>
-        <p:txBody>
-          <a:bodyPr wrap="square">
-            <a:spAutoFit/>
-          </a:bodyPr>
-          <a:lstStyle/>
-          <a:p>
-            <a:pPr marL="457200" lvl="1" indent="-457200">
-              <a:lnSpc>
-                <a:spcPct val="150000"/>
-              </a:lnSpc>
-              <a:buClr>
-                <a:srgbClr val="92D050"/>
-              </a:buClr>
-              <a:buFont typeface="Wingdings" panose="05000000000000000000" pitchFamily="2" charset="2"/>
-              <a:buChar char="ü"/>
-            </a:pPr>
-            <a:r>
-              <a:rPr lang="ru-RU" sz="2800" b="1" dirty="0"/>
-              <a:t>Доступность публичного </a:t>
-            </a:r>
-            <a:r>
-              <a:rPr lang="en-US" sz="2800" b="1" dirty="0"/>
-              <a:t>API</a:t>
-            </a:r>
-            <a:r>
-              <a:rPr lang="ru-RU" sz="2800" b="1" dirty="0"/>
-              <a:t> </a:t>
-            </a:r>
-            <a:endParaRPr lang="en-US" sz="2800" b="1" dirty="0"/>
-          </a:p>
-          <a:p>
-            <a:pPr lvl="1" algn="ctr">
-              <a:lnSpc>
-                <a:spcPct val="150000"/>
-              </a:lnSpc>
-              <a:buClr>
-                <a:srgbClr val="92D050"/>
-              </a:buClr>
-            </a:pPr>
-            <a:r>
-              <a:rPr lang="en-US" sz="2800" dirty="0"/>
-              <a:t>	</a:t>
-            </a:r>
-            <a:r>
-              <a:rPr lang="en-US" sz="2800" i="1" dirty="0">
-                <a:solidFill>
-                  <a:schemeClr val="accent1"/>
-                </a:solidFill>
-              </a:rPr>
-              <a:t>localhost:15000 </a:t>
-            </a:r>
-          </a:p>
-          <a:p>
-            <a:pPr marL="457200" lvl="1" indent="-457200">
-              <a:lnSpc>
-                <a:spcPct val="150000"/>
-              </a:lnSpc>
-              <a:buClr>
-                <a:srgbClr val="92D050"/>
-              </a:buClr>
-              <a:buFont typeface="Wingdings" panose="05000000000000000000" pitchFamily="2" charset="2"/>
-              <a:buChar char="ü"/>
-            </a:pPr>
-            <a:r>
-              <a:rPr lang="ru-RU" sz="2800" b="1" dirty="0"/>
-              <a:t>Доступ к приватному сервису через публичное </a:t>
-            </a:r>
-            <a:r>
-              <a:rPr lang="en-US" sz="2800" b="1" dirty="0"/>
-              <a:t>API </a:t>
-            </a:r>
-          </a:p>
-          <a:p>
-            <a:pPr lvl="1" algn="ctr">
-              <a:lnSpc>
-                <a:spcPct val="150000"/>
-              </a:lnSpc>
-              <a:buClr>
-                <a:srgbClr val="92D050"/>
-              </a:buClr>
-            </a:pPr>
-            <a:r>
-              <a:rPr lang="en-US" sz="2800" dirty="0"/>
-              <a:t>	</a:t>
-            </a:r>
-            <a:r>
-              <a:rPr lang="en-US" sz="2800" i="1" dirty="0">
-                <a:solidFill>
-                  <a:schemeClr val="accent1"/>
-                </a:solidFill>
-              </a:rPr>
-              <a:t>localhost:15000/service/ping</a:t>
-            </a:r>
-          </a:p>
-        </p:txBody>
-      </p:sp>
+        <p:style>
+          <a:lnRef idx="2">
+            <a:schemeClr val="accent3"/>
+          </a:lnRef>
+          <a:fillRef idx="1">
+            <a:schemeClr val="lt1"/>
+          </a:fillRef>
+          <a:effectRef idx="0">
+            <a:schemeClr val="accent3"/>
+          </a:effectRef>
+          <a:fontRef idx="minor">
+            <a:schemeClr val="dk1"/>
+          </a:fontRef>
+        </p:style>
+      </p:pic>
     </p:spTree>
     <p:extLst>
       <p:ext uri="{BB962C8B-B14F-4D97-AF65-F5344CB8AC3E}">
-        <p14:creationId xmlns:p14="http://schemas.microsoft.com/office/powerpoint/2010/main" val="5753986"/>
+        <p14:creationId xmlns:p14="http://schemas.microsoft.com/office/powerpoint/2010/main" val="2940785827"/>
       </p:ext>
     </p:extLst>
   </p:cSld>
@@ -18254,7 +19706,7 @@
             </a:pPr>
             <a:r>
               <a:rPr lang="ru-RU" sz="4800" dirty="0"/>
-              <a:t>Выполнение кейса</a:t>
+              <a:t>Проверка</a:t>
             </a:r>
             <a:endParaRPr sz="4800" dirty="0"/>
           </a:p>
@@ -18405,6 +19857,326 @@
         </p:nvSpPr>
         <p:spPr>
           <a:xfrm>
+            <a:off x="397129" y="1284596"/>
+            <a:ext cx="8349741" cy="3244158"/>
+          </a:xfrm>
+          <a:prstGeom prst="rect">
+            <a:avLst/>
+          </a:prstGeom>
+        </p:spPr>
+        <p:txBody>
+          <a:bodyPr wrap="square">
+            <a:spAutoFit/>
+          </a:bodyPr>
+          <a:lstStyle/>
+          <a:p>
+            <a:pPr marL="457200" lvl="1" indent="-457200">
+              <a:lnSpc>
+                <a:spcPct val="150000"/>
+              </a:lnSpc>
+              <a:buClr>
+                <a:srgbClr val="92D050"/>
+              </a:buClr>
+              <a:buFont typeface="Wingdings" panose="05000000000000000000" pitchFamily="2" charset="2"/>
+              <a:buChar char="ü"/>
+            </a:pPr>
+            <a:r>
+              <a:rPr lang="ru-RU" sz="2800" b="1" dirty="0"/>
+              <a:t>Доступность публичного </a:t>
+            </a:r>
+            <a:r>
+              <a:rPr lang="en-US" sz="2800" b="1" dirty="0"/>
+              <a:t>API</a:t>
+            </a:r>
+            <a:r>
+              <a:rPr lang="ru-RU" sz="2800" b="1" dirty="0"/>
+              <a:t> </a:t>
+            </a:r>
+            <a:endParaRPr lang="en-US" sz="2800" b="1" dirty="0"/>
+          </a:p>
+          <a:p>
+            <a:pPr lvl="1" algn="ctr">
+              <a:lnSpc>
+                <a:spcPct val="150000"/>
+              </a:lnSpc>
+              <a:buClr>
+                <a:srgbClr val="92D050"/>
+              </a:buClr>
+            </a:pPr>
+            <a:r>
+              <a:rPr lang="en-US" sz="2800" dirty="0"/>
+              <a:t>	</a:t>
+            </a:r>
+            <a:r>
+              <a:rPr lang="en-US" sz="2800" i="1" dirty="0">
+                <a:solidFill>
+                  <a:schemeClr val="accent1"/>
+                </a:solidFill>
+              </a:rPr>
+              <a:t>localhost:15000 </a:t>
+            </a:r>
+          </a:p>
+          <a:p>
+            <a:pPr marL="457200" lvl="1" indent="-457200">
+              <a:lnSpc>
+                <a:spcPct val="150000"/>
+              </a:lnSpc>
+              <a:buClr>
+                <a:srgbClr val="92D050"/>
+              </a:buClr>
+              <a:buFont typeface="Wingdings" panose="05000000000000000000" pitchFamily="2" charset="2"/>
+              <a:buChar char="ü"/>
+            </a:pPr>
+            <a:r>
+              <a:rPr lang="ru-RU" sz="2800" b="1" dirty="0"/>
+              <a:t>Доступ к приватному сервису через публичное </a:t>
+            </a:r>
+            <a:r>
+              <a:rPr lang="en-US" sz="2800" b="1" dirty="0"/>
+              <a:t>API </a:t>
+            </a:r>
+          </a:p>
+          <a:p>
+            <a:pPr lvl="1" algn="ctr">
+              <a:lnSpc>
+                <a:spcPct val="150000"/>
+              </a:lnSpc>
+              <a:buClr>
+                <a:srgbClr val="92D050"/>
+              </a:buClr>
+            </a:pPr>
+            <a:r>
+              <a:rPr lang="en-US" sz="2800" dirty="0"/>
+              <a:t>	</a:t>
+            </a:r>
+            <a:r>
+              <a:rPr lang="en-US" sz="2800" i="1" dirty="0">
+                <a:solidFill>
+                  <a:schemeClr val="accent1"/>
+                </a:solidFill>
+              </a:rPr>
+              <a:t>localhost:15000/service/ping</a:t>
+            </a:r>
+          </a:p>
+        </p:txBody>
+      </p:sp>
+    </p:spTree>
+    <p:extLst>
+      <p:ext uri="{BB962C8B-B14F-4D97-AF65-F5344CB8AC3E}">
+        <p14:creationId xmlns:p14="http://schemas.microsoft.com/office/powerpoint/2010/main" val="5753986"/>
+      </p:ext>
+    </p:extLst>
+  </p:cSld>
+  <p:clrMapOvr>
+    <a:masterClrMapping/>
+  </p:clrMapOvr>
+</p:sld>
+</file>
+
+<file path=ppt/slides/slide22.xml><?xml version="1.0" encoding="utf-8"?>
+<p:sld xmlns:a="http://schemas.openxmlformats.org/drawingml/2006/main" xmlns:r="http://schemas.openxmlformats.org/officeDocument/2006/relationships" xmlns:p="http://schemas.openxmlformats.org/presentationml/2006/main">
+  <p:cSld>
+    <p:spTree>
+      <p:nvGrpSpPr>
+        <p:cNvPr id="1" name="Shape 211"/>
+        <p:cNvGrpSpPr/>
+        <p:nvPr/>
+      </p:nvGrpSpPr>
+      <p:grpSpPr>
+        <a:xfrm>
+          <a:off x="0" y="0"/>
+          <a:ext cx="0" cy="0"/>
+          <a:chOff x="0" y="0"/>
+          <a:chExt cx="0" cy="0"/>
+        </a:xfrm>
+      </p:grpSpPr>
+      <p:sp>
+        <p:nvSpPr>
+          <p:cNvPr id="212" name="Google Shape;212;p13"/>
+          <p:cNvSpPr txBox="1">
+            <a:spLocks noGrp="1"/>
+          </p:cNvSpPr>
+          <p:nvPr>
+            <p:ph type="title"/>
+          </p:nvPr>
+        </p:nvSpPr>
+        <p:spPr>
+          <a:xfrm>
+            <a:off x="457200" y="-1"/>
+            <a:ext cx="8229600" cy="1063500"/>
+          </a:xfrm>
+          <a:prstGeom prst="rect">
+            <a:avLst/>
+          </a:prstGeom>
+        </p:spPr>
+        <p:txBody>
+          <a:bodyPr spcFirstLastPara="1" wrap="square" lIns="91425" tIns="91425" rIns="91425" bIns="91425" anchor="ctr" anchorCtr="0">
+            <a:noAutofit/>
+          </a:bodyPr>
+          <a:lstStyle/>
+          <a:p>
+            <a:pPr marL="0" lvl="0" indent="0" algn="ctr" rtl="0">
+              <a:spcBef>
+                <a:spcPts val="0"/>
+              </a:spcBef>
+              <a:spcAft>
+                <a:spcPts val="0"/>
+              </a:spcAft>
+              <a:buNone/>
+            </a:pPr>
+            <a:r>
+              <a:rPr lang="ru-RU" sz="4800" dirty="0"/>
+              <a:t>Выполнение кейса</a:t>
+            </a:r>
+            <a:endParaRPr sz="4800" dirty="0"/>
+          </a:p>
+        </p:txBody>
+      </p:sp>
+      <p:sp>
+        <p:nvSpPr>
+          <p:cNvPr id="213" name="Google Shape;213;p13"/>
+          <p:cNvSpPr txBox="1">
+            <a:spLocks noGrp="1"/>
+          </p:cNvSpPr>
+          <p:nvPr>
+            <p:ph type="body" idx="2"/>
+          </p:nvPr>
+        </p:nvSpPr>
+        <p:spPr>
+          <a:xfrm>
+            <a:off x="58783" y="3014049"/>
+            <a:ext cx="1797293" cy="904260"/>
+          </a:xfrm>
+          <a:prstGeom prst="rect">
+            <a:avLst/>
+          </a:prstGeom>
+        </p:spPr>
+        <p:txBody>
+          <a:bodyPr spcFirstLastPara="1" wrap="square" lIns="91425" tIns="91425" rIns="91425" bIns="91425" anchor="t" anchorCtr="0">
+            <a:noAutofit/>
+          </a:bodyPr>
+          <a:lstStyle/>
+          <a:p>
+            <a:pPr marL="0" lvl="0" indent="0" algn="l" rtl="0">
+              <a:spcBef>
+                <a:spcPts val="600"/>
+              </a:spcBef>
+              <a:spcAft>
+                <a:spcPts val="0"/>
+              </a:spcAft>
+              <a:buClr>
+                <a:schemeClr val="dk1"/>
+              </a:buClr>
+              <a:buSzPts val="1100"/>
+              <a:buFont typeface="Arial"/>
+              <a:buNone/>
+            </a:pPr>
+            <a:endParaRPr sz="1200" dirty="0"/>
+          </a:p>
+          <a:p>
+            <a:pPr marL="0" lvl="0" indent="0" algn="l" rtl="0">
+              <a:spcBef>
+                <a:spcPts val="600"/>
+              </a:spcBef>
+              <a:spcAft>
+                <a:spcPts val="0"/>
+              </a:spcAft>
+              <a:buNone/>
+            </a:pPr>
+            <a:endParaRPr sz="1200" dirty="0"/>
+          </a:p>
+        </p:txBody>
+      </p:sp>
+      <p:sp>
+        <p:nvSpPr>
+          <p:cNvPr id="216" name="Google Shape;216;p13"/>
+          <p:cNvSpPr txBox="1">
+            <a:spLocks noGrp="1"/>
+          </p:cNvSpPr>
+          <p:nvPr>
+            <p:ph type="sldNum" idx="12"/>
+          </p:nvPr>
+        </p:nvSpPr>
+        <p:spPr>
+          <a:xfrm>
+            <a:off x="4297650" y="4749851"/>
+            <a:ext cx="548700" cy="393600"/>
+          </a:xfrm>
+          <a:prstGeom prst="rect">
+            <a:avLst/>
+          </a:prstGeom>
+        </p:spPr>
+        <p:txBody>
+          <a:bodyPr spcFirstLastPara="1" wrap="square" lIns="91425" tIns="91425" rIns="91425" bIns="91425" anchor="t" anchorCtr="0">
+            <a:noAutofit/>
+          </a:bodyPr>
+          <a:lstStyle/>
+          <a:p>
+            <a:pPr marL="0" lvl="0" indent="0" algn="ctr" rtl="0">
+              <a:spcBef>
+                <a:spcPts val="0"/>
+              </a:spcBef>
+              <a:spcAft>
+                <a:spcPts val="0"/>
+              </a:spcAft>
+              <a:buNone/>
+            </a:pPr>
+            <a:fld id="{00000000-1234-1234-1234-123412341234}" type="slidenum">
+              <a:rPr lang="en"/>
+              <a:t>22</a:t>
+            </a:fld>
+            <a:endParaRPr/>
+          </a:p>
+        </p:txBody>
+      </p:sp>
+      <p:sp>
+        <p:nvSpPr>
+          <p:cNvPr id="4" name="Прямоугольник 3">
+            <a:extLst>
+              <a:ext uri="{FF2B5EF4-FFF2-40B4-BE49-F238E27FC236}">
+                <a16:creationId xmlns:a16="http://schemas.microsoft.com/office/drawing/2014/main" id="{0C06601A-C77D-454F-AEFB-627ADCA49DD9}"/>
+              </a:ext>
+            </a:extLst>
+          </p:cNvPr>
+          <p:cNvSpPr/>
+          <p:nvPr/>
+        </p:nvSpPr>
+        <p:spPr>
+          <a:xfrm>
+            <a:off x="337059" y="1637502"/>
+            <a:ext cx="4234941" cy="461665"/>
+          </a:xfrm>
+          <a:prstGeom prst="rect">
+            <a:avLst/>
+          </a:prstGeom>
+        </p:spPr>
+        <p:txBody>
+          <a:bodyPr wrap="square">
+            <a:spAutoFit/>
+          </a:bodyPr>
+          <a:lstStyle/>
+          <a:p>
+            <a:br>
+              <a:rPr lang="ru-RU" sz="1200" dirty="0"/>
+            </a:br>
+            <a:endParaRPr lang="ru-RU" sz="1200" dirty="0"/>
+          </a:p>
+        </p:txBody>
+      </p:sp>
+      <p:sp>
+        <p:nvSpPr>
+          <p:cNvPr id="8" name="Прямоугольник 7">
+            <a:extLst>
+              <a:ext uri="{FF2B5EF4-FFF2-40B4-BE49-F238E27FC236}">
+                <a16:creationId xmlns:a16="http://schemas.microsoft.com/office/drawing/2014/main" id="{29F67D64-3A96-498B-AD8A-185215C69C8A}"/>
+              </a:ext>
+            </a:extLst>
+          </p:cNvPr>
+          <p:cNvSpPr/>
+          <p:nvPr/>
+        </p:nvSpPr>
+        <p:spPr>
+          <a:xfrm>
             <a:off x="168965" y="1391970"/>
             <a:ext cx="8806069" cy="3028714"/>
           </a:xfrm>
@@ -18518,7 +20290,7 @@
 </p:sld>
 </file>
 
-<file path=ppt/slides/slide22.xml><?xml version="1.0" encoding="utf-8"?>
+<file path=ppt/slides/slide23.xml><?xml version="1.0" encoding="utf-8"?>
 <p:sld xmlns:a="http://schemas.openxmlformats.org/drawingml/2006/main" xmlns:r="http://schemas.openxmlformats.org/officeDocument/2006/relationships" xmlns:p="http://schemas.openxmlformats.org/presentationml/2006/main">
   <p:cSld>
     <p:spTree>
@@ -19468,7 +21240,7 @@
             </a:pPr>
             <a:fld id="{00000000-1234-1234-1234-123412341234}" type="slidenum">
               <a:rPr lang="en"/>
-              <a:t>22</a:t>
+              <a:t>23</a:t>
             </a:fld>
             <a:endParaRPr/>
           </a:p>
